--- a/Lecture 2.pptx
+++ b/Lecture 2.pptx
@@ -5,7 +5,7 @@
     <p:sldMasterId id="2147483648" r:id="rId1"/>
   </p:sldMasterIdLst>
   <p:notesMasterIdLst>
-    <p:notesMasterId r:id="rId22"/>
+    <p:notesMasterId r:id="rId25"/>
   </p:notesMasterIdLst>
   <p:sldIdLst>
     <p:sldId id="261" r:id="rId2"/>
@@ -17,17 +17,20 @@
     <p:sldId id="278" r:id="rId8"/>
     <p:sldId id="281" r:id="rId9"/>
     <p:sldId id="277" r:id="rId10"/>
-    <p:sldId id="264" r:id="rId11"/>
-    <p:sldId id="282" r:id="rId12"/>
-    <p:sldId id="266" r:id="rId13"/>
-    <p:sldId id="283" r:id="rId14"/>
-    <p:sldId id="284" r:id="rId15"/>
-    <p:sldId id="285" r:id="rId16"/>
-    <p:sldId id="286" r:id="rId17"/>
-    <p:sldId id="287" r:id="rId18"/>
-    <p:sldId id="288" r:id="rId19"/>
-    <p:sldId id="289" r:id="rId20"/>
-    <p:sldId id="273" r:id="rId21"/>
+    <p:sldId id="292" r:id="rId11"/>
+    <p:sldId id="264" r:id="rId12"/>
+    <p:sldId id="282" r:id="rId13"/>
+    <p:sldId id="266" r:id="rId14"/>
+    <p:sldId id="283" r:id="rId15"/>
+    <p:sldId id="284" r:id="rId16"/>
+    <p:sldId id="285" r:id="rId17"/>
+    <p:sldId id="286" r:id="rId18"/>
+    <p:sldId id="287" r:id="rId19"/>
+    <p:sldId id="288" r:id="rId20"/>
+    <p:sldId id="289" r:id="rId21"/>
+    <p:sldId id="291" r:id="rId22"/>
+    <p:sldId id="290" r:id="rId23"/>
+    <p:sldId id="273" r:id="rId24"/>
   </p:sldIdLst>
   <p:sldSz cx="12192000" cy="6858000"/>
   <p:notesSz cx="6858000" cy="9144000"/>
@@ -216,7 +219,7 @@
           <a:p>
             <a:fld id="{B30DCE05-410F-4887-8390-4434594AA9B1}" type="datetimeFigureOut">
               <a:rPr lang="en-US" smtClean="0"/>
-              <a:t>10/28/2024</a:t>
+              <a:t>11/4/2024</a:t>
             </a:fld>
             <a:endParaRPr lang="en-US"/>
           </a:p>
@@ -549,7 +552,7 @@
           <a:p>
             <a:fld id="{8803167E-4F84-4B4E-89CD-A53CC6B890F0}" type="slidenum">
               <a:rPr lang="en-US" smtClean="0"/>
-              <a:t>10</a:t>
+              <a:t>11</a:t>
             </a:fld>
             <a:endParaRPr lang="en-US"/>
           </a:p>
@@ -633,7 +636,7 @@
           <a:p>
             <a:fld id="{8803167E-4F84-4B4E-89CD-A53CC6B890F0}" type="slidenum">
               <a:rPr lang="en-US" smtClean="0"/>
-              <a:t>11</a:t>
+              <a:t>12</a:t>
             </a:fld>
             <a:endParaRPr lang="en-US"/>
           </a:p>
@@ -717,7 +720,7 @@
           <a:p>
             <a:fld id="{8803167E-4F84-4B4E-89CD-A53CC6B890F0}" type="slidenum">
               <a:rPr lang="en-US" smtClean="0"/>
-              <a:t>13</a:t>
+              <a:t>14</a:t>
             </a:fld>
             <a:endParaRPr lang="en-US"/>
           </a:p>
@@ -801,7 +804,7 @@
           <a:p>
             <a:fld id="{8803167E-4F84-4B4E-89CD-A53CC6B890F0}" type="slidenum">
               <a:rPr lang="en-US" smtClean="0"/>
-              <a:t>14</a:t>
+              <a:t>15</a:t>
             </a:fld>
             <a:endParaRPr lang="en-US"/>
           </a:p>
@@ -951,7 +954,7 @@
           <a:p>
             <a:fld id="{A87C90F2-8AC5-42A7-8E89-944FEB175D6A}" type="datetimeFigureOut">
               <a:rPr lang="en-US" smtClean="0"/>
-              <a:t>10/28/2024</a:t>
+              <a:t>11/4/2024</a:t>
             </a:fld>
             <a:endParaRPr lang="en-US"/>
           </a:p>
@@ -1121,7 +1124,7 @@
           <a:p>
             <a:fld id="{A87C90F2-8AC5-42A7-8E89-944FEB175D6A}" type="datetimeFigureOut">
               <a:rPr lang="en-US" smtClean="0"/>
-              <a:t>10/28/2024</a:t>
+              <a:t>11/4/2024</a:t>
             </a:fld>
             <a:endParaRPr lang="en-US"/>
           </a:p>
@@ -1301,7 +1304,7 @@
           <a:p>
             <a:fld id="{A87C90F2-8AC5-42A7-8E89-944FEB175D6A}" type="datetimeFigureOut">
               <a:rPr lang="en-US" smtClean="0"/>
-              <a:t>10/28/2024</a:t>
+              <a:t>11/4/2024</a:t>
             </a:fld>
             <a:endParaRPr lang="en-US"/>
           </a:p>
@@ -1471,7 +1474,7 @@
           <a:p>
             <a:fld id="{A87C90F2-8AC5-42A7-8E89-944FEB175D6A}" type="datetimeFigureOut">
               <a:rPr lang="en-US" smtClean="0"/>
-              <a:t>10/28/2024</a:t>
+              <a:t>11/4/2024</a:t>
             </a:fld>
             <a:endParaRPr lang="en-US"/>
           </a:p>
@@ -1717,7 +1720,7 @@
           <a:p>
             <a:fld id="{A87C90F2-8AC5-42A7-8E89-944FEB175D6A}" type="datetimeFigureOut">
               <a:rPr lang="en-US" smtClean="0"/>
-              <a:t>10/28/2024</a:t>
+              <a:t>11/4/2024</a:t>
             </a:fld>
             <a:endParaRPr lang="en-US"/>
           </a:p>
@@ -1949,7 +1952,7 @@
           <a:p>
             <a:fld id="{A87C90F2-8AC5-42A7-8E89-944FEB175D6A}" type="datetimeFigureOut">
               <a:rPr lang="en-US" smtClean="0"/>
-              <a:t>10/28/2024</a:t>
+              <a:t>11/4/2024</a:t>
             </a:fld>
             <a:endParaRPr lang="en-US"/>
           </a:p>
@@ -2316,7 +2319,7 @@
           <a:p>
             <a:fld id="{A87C90F2-8AC5-42A7-8E89-944FEB175D6A}" type="datetimeFigureOut">
               <a:rPr lang="en-US" smtClean="0"/>
-              <a:t>10/28/2024</a:t>
+              <a:t>11/4/2024</a:t>
             </a:fld>
             <a:endParaRPr lang="en-US"/>
           </a:p>
@@ -2434,7 +2437,7 @@
           <a:p>
             <a:fld id="{A87C90F2-8AC5-42A7-8E89-944FEB175D6A}" type="datetimeFigureOut">
               <a:rPr lang="en-US" smtClean="0"/>
-              <a:t>10/28/2024</a:t>
+              <a:t>11/4/2024</a:t>
             </a:fld>
             <a:endParaRPr lang="en-US"/>
           </a:p>
@@ -2529,7 +2532,7 @@
           <a:p>
             <a:fld id="{A87C90F2-8AC5-42A7-8E89-944FEB175D6A}" type="datetimeFigureOut">
               <a:rPr lang="en-US" smtClean="0"/>
-              <a:t>10/28/2024</a:t>
+              <a:t>11/4/2024</a:t>
             </a:fld>
             <a:endParaRPr lang="en-US"/>
           </a:p>
@@ -2806,7 +2809,7 @@
           <a:p>
             <a:fld id="{A87C90F2-8AC5-42A7-8E89-944FEB175D6A}" type="datetimeFigureOut">
               <a:rPr lang="en-US" smtClean="0"/>
-              <a:t>10/28/2024</a:t>
+              <a:t>11/4/2024</a:t>
             </a:fld>
             <a:endParaRPr lang="en-US"/>
           </a:p>
@@ -3059,7 +3062,7 @@
           <a:p>
             <a:fld id="{A87C90F2-8AC5-42A7-8E89-944FEB175D6A}" type="datetimeFigureOut">
               <a:rPr lang="en-US" smtClean="0"/>
-              <a:t>10/28/2024</a:t>
+              <a:t>11/4/2024</a:t>
             </a:fld>
             <a:endParaRPr lang="en-US"/>
           </a:p>
@@ -3272,7 +3275,7 @@
           <a:p>
             <a:fld id="{A87C90F2-8AC5-42A7-8E89-944FEB175D6A}" type="datetimeFigureOut">
               <a:rPr lang="en-US" smtClean="0"/>
-              <a:t>10/28/2024</a:t>
+              <a:t>11/4/2024</a:t>
             </a:fld>
             <a:endParaRPr lang="en-US"/>
           </a:p>
@@ -4117,6 +4120,136 @@
                   </a:schemeClr>
                 </a:solidFill>
               </a:rPr>
+              <a:t>RISC and CISC</a:t>
+            </a:r>
+            <a:endParaRPr lang="en-US" b="1" dirty="0">
+              <a:solidFill>
+                <a:schemeClr val="accent1">
+                  <a:lumMod val="50000"/>
+                </a:schemeClr>
+              </a:solidFill>
+            </a:endParaRPr>
+          </a:p>
+        </p:txBody>
+      </p:sp>
+      <p:pic>
+        <p:nvPicPr>
+          <p:cNvPr id="1026" name="Picture 2" descr="RISC-and-CISC"/>
+          <p:cNvPicPr>
+            <a:picLocks noChangeAspect="1" noChangeArrowheads="1"/>
+          </p:cNvPicPr>
+          <p:nvPr/>
+        </p:nvPicPr>
+        <p:blipFill rotWithShape="1">
+          <a:blip r:embed="rId2">
+            <a:extLst>
+              <a:ext uri="{28A0092B-C50C-407E-A947-70E740481C1C}">
+                <a14:useLocalDpi xmlns:a14="http://schemas.microsoft.com/office/drawing/2010/main" val="0"/>
+              </a:ext>
+            </a:extLst>
+          </a:blip>
+          <a:srcRect b="8666"/>
+          <a:stretch/>
+        </p:blipFill>
+        <p:spPr bwMode="auto">
+          <a:xfrm>
+            <a:off x="1073426" y="1103243"/>
+            <a:ext cx="9501809" cy="5227983"/>
+          </a:xfrm>
+          <a:prstGeom prst="rect">
+            <a:avLst/>
+          </a:prstGeom>
+          <a:noFill/>
+          <a:extLst>
+            <a:ext uri="{909E8E84-426E-40DD-AFC4-6F175D3DCCD1}">
+              <a14:hiddenFill xmlns:a14="http://schemas.microsoft.com/office/drawing/2010/main">
+                <a:solidFill>
+                  <a:srgbClr val="FFFFFF"/>
+                </a:solidFill>
+              </a14:hiddenFill>
+            </a:ext>
+          </a:extLst>
+        </p:spPr>
+      </p:pic>
+    </p:spTree>
+    <p:extLst>
+      <p:ext uri="{BB962C8B-B14F-4D97-AF65-F5344CB8AC3E}">
+        <p14:creationId xmlns:p14="http://schemas.microsoft.com/office/powerpoint/2010/main" val="1742784582"/>
+      </p:ext>
+    </p:extLst>
+  </p:cSld>
+  <p:clrMapOvr>
+    <a:masterClrMapping/>
+  </p:clrMapOvr>
+  <p:timing>
+    <p:tnLst>
+      <p:par>
+        <p:cTn id="1" dur="indefinite" restart="never" nodeType="tmRoot"/>
+      </p:par>
+    </p:tnLst>
+  </p:timing>
+</p:sld>
+</file>
+
+<file path=ppt/slides/slide11.xml><?xml version="1.0" encoding="utf-8"?>
+<p:sld xmlns:a="http://schemas.openxmlformats.org/drawingml/2006/main" xmlns:r="http://schemas.openxmlformats.org/officeDocument/2006/relationships" xmlns:p="http://schemas.openxmlformats.org/presentationml/2006/main">
+  <p:cSld>
+    <p:spTree>
+      <p:nvGrpSpPr>
+        <p:cNvPr id="1" name=""/>
+        <p:cNvGrpSpPr/>
+        <p:nvPr/>
+      </p:nvGrpSpPr>
+      <p:grpSpPr>
+        <a:xfrm>
+          <a:off x="0" y="0"/>
+          <a:ext cx="0" cy="0"/>
+          <a:chOff x="0" y="0"/>
+          <a:chExt cx="0" cy="0"/>
+        </a:xfrm>
+      </p:grpSpPr>
+      <p:sp>
+        <p:nvSpPr>
+          <p:cNvPr id="2" name="Title 1"/>
+          <p:cNvSpPr>
+            <a:spLocks noGrp="1"/>
+          </p:cNvSpPr>
+          <p:nvPr>
+            <p:ph type="title"/>
+          </p:nvPr>
+        </p:nvSpPr>
+        <p:spPr>
+          <a:xfrm>
+            <a:off x="838200" y="365126"/>
+            <a:ext cx="10515600" cy="627652"/>
+          </a:xfrm>
+          <a:solidFill>
+            <a:schemeClr val="bg1">
+              <a:lumMod val="95000"/>
+            </a:schemeClr>
+          </a:solidFill>
+          <a:ln>
+            <a:solidFill>
+              <a:schemeClr val="bg2">
+                <a:lumMod val="75000"/>
+              </a:schemeClr>
+            </a:solidFill>
+          </a:ln>
+        </p:spPr>
+        <p:txBody>
+          <a:bodyPr>
+            <a:normAutofit fontScale="90000"/>
+          </a:bodyPr>
+          <a:lstStyle/>
+          <a:p>
+            <a:r>
+              <a:rPr lang="en-US" b="1" dirty="0" smtClean="0">
+                <a:solidFill>
+                  <a:schemeClr val="accent1">
+                    <a:lumMod val="50000"/>
+                  </a:schemeClr>
+                </a:solidFill>
+              </a:rPr>
               <a:t>RISC Processor</a:t>
             </a:r>
             <a:endParaRPr lang="en-US" b="1" dirty="0">
@@ -4220,7 +4353,7 @@
 </p:sld>
 </file>
 
-<file path=ppt/slides/slide11.xml><?xml version="1.0" encoding="utf-8"?>
+<file path=ppt/slides/slide12.xml><?xml version="1.0" encoding="utf-8"?>
 <p:sld xmlns:a="http://schemas.openxmlformats.org/drawingml/2006/main" xmlns:r="http://schemas.openxmlformats.org/officeDocument/2006/relationships" xmlns:p="http://schemas.openxmlformats.org/presentationml/2006/main">
   <p:cSld>
     <p:spTree>
@@ -4334,7 +4467,7 @@
 </p:sld>
 </file>
 
-<file path=ppt/slides/slide12.xml><?xml version="1.0" encoding="utf-8"?>
+<file path=ppt/slides/slide13.xml><?xml version="1.0" encoding="utf-8"?>
 <p:sld xmlns:a="http://schemas.openxmlformats.org/drawingml/2006/main" xmlns:r="http://schemas.openxmlformats.org/officeDocument/2006/relationships" xmlns:p="http://schemas.openxmlformats.org/presentationml/2006/main">
   <p:cSld>
     <p:spTree>
@@ -4504,7 +4637,7 @@
 </p:sld>
 </file>
 
-<file path=ppt/slides/slide13.xml><?xml version="1.0" encoding="utf-8"?>
+<file path=ppt/slides/slide14.xml><?xml version="1.0" encoding="utf-8"?>
 <p:sld xmlns:a="http://schemas.openxmlformats.org/drawingml/2006/main" xmlns:r="http://schemas.openxmlformats.org/officeDocument/2006/relationships" xmlns:p="http://schemas.openxmlformats.org/presentationml/2006/main">
   <p:cSld>
     <p:spTree>
@@ -4665,7 +4798,7 @@
 </p:sld>
 </file>
 
-<file path=ppt/slides/slide14.xml><?xml version="1.0" encoding="utf-8"?>
+<file path=ppt/slides/slide15.xml><?xml version="1.0" encoding="utf-8"?>
 <p:sld xmlns:a="http://schemas.openxmlformats.org/drawingml/2006/main" xmlns:r="http://schemas.openxmlformats.org/officeDocument/2006/relationships" xmlns:p="http://schemas.openxmlformats.org/presentationml/2006/main">
   <p:cSld>
     <p:spTree>
@@ -4796,7 +4929,7 @@
 </p:sld>
 </file>
 
-<file path=ppt/slides/slide15.xml><?xml version="1.0" encoding="utf-8"?>
+<file path=ppt/slides/slide16.xml><?xml version="1.0" encoding="utf-8"?>
 <p:sld xmlns:a="http://schemas.openxmlformats.org/drawingml/2006/main" xmlns:r="http://schemas.openxmlformats.org/officeDocument/2006/relationships" xmlns:p="http://schemas.openxmlformats.org/presentationml/2006/main">
   <p:cSld>
     <p:spTree>
@@ -4946,180 +5079,6 @@
     <p:extLst>
       <p:ext uri="{BB962C8B-B14F-4D97-AF65-F5344CB8AC3E}">
         <p14:creationId xmlns:p14="http://schemas.microsoft.com/office/powerpoint/2010/main" val="3121916510"/>
-      </p:ext>
-    </p:extLst>
-  </p:cSld>
-  <p:clrMapOvr>
-    <a:masterClrMapping/>
-  </p:clrMapOvr>
-  <p:timing>
-    <p:tnLst>
-      <p:par>
-        <p:cTn id="1" dur="indefinite" restart="never" nodeType="tmRoot"/>
-      </p:par>
-    </p:tnLst>
-  </p:timing>
-</p:sld>
-</file>
-
-<file path=ppt/slides/slide16.xml><?xml version="1.0" encoding="utf-8"?>
-<p:sld xmlns:a="http://schemas.openxmlformats.org/drawingml/2006/main" xmlns:r="http://schemas.openxmlformats.org/officeDocument/2006/relationships" xmlns:p="http://schemas.openxmlformats.org/presentationml/2006/main">
-  <p:cSld>
-    <p:spTree>
-      <p:nvGrpSpPr>
-        <p:cNvPr id="1" name=""/>
-        <p:cNvGrpSpPr/>
-        <p:nvPr/>
-      </p:nvGrpSpPr>
-      <p:grpSpPr>
-        <a:xfrm>
-          <a:off x="0" y="0"/>
-          <a:ext cx="0" cy="0"/>
-          <a:chOff x="0" y="0"/>
-          <a:chExt cx="0" cy="0"/>
-        </a:xfrm>
-      </p:grpSpPr>
-      <p:sp>
-        <p:nvSpPr>
-          <p:cNvPr id="2" name="Title 1"/>
-          <p:cNvSpPr>
-            <a:spLocks noGrp="1"/>
-          </p:cNvSpPr>
-          <p:nvPr>
-            <p:ph type="title"/>
-          </p:nvPr>
-        </p:nvSpPr>
-        <p:spPr>
-          <a:xfrm>
-            <a:off x="838200" y="365126"/>
-            <a:ext cx="10515600" cy="627652"/>
-          </a:xfrm>
-          <a:solidFill>
-            <a:schemeClr val="bg1">
-              <a:lumMod val="95000"/>
-            </a:schemeClr>
-          </a:solidFill>
-          <a:ln>
-            <a:solidFill>
-              <a:schemeClr val="bg2">
-                <a:lumMod val="75000"/>
-              </a:schemeClr>
-            </a:solidFill>
-          </a:ln>
-        </p:spPr>
-        <p:txBody>
-          <a:bodyPr>
-            <a:normAutofit fontScale="90000"/>
-          </a:bodyPr>
-          <a:lstStyle/>
-          <a:p>
-            <a:r>
-              <a:rPr lang="en-US" b="1" dirty="0" smtClean="0">
-                <a:solidFill>
-                  <a:schemeClr val="accent1">
-                    <a:lumMod val="50000"/>
-                  </a:schemeClr>
-                </a:solidFill>
-              </a:rPr>
-              <a:t>Special Processors</a:t>
-            </a:r>
-            <a:endParaRPr lang="en-US" b="1" dirty="0">
-              <a:solidFill>
-                <a:schemeClr val="accent1">
-                  <a:lumMod val="50000"/>
-                </a:schemeClr>
-              </a:solidFill>
-            </a:endParaRPr>
-          </a:p>
-        </p:txBody>
-      </p:sp>
-      <p:sp>
-        <p:nvSpPr>
-          <p:cNvPr id="3" name="Content Placeholder 2"/>
-          <p:cNvSpPr>
-            <a:spLocks noGrp="1"/>
-          </p:cNvSpPr>
-          <p:nvPr>
-            <p:ph idx="1"/>
-          </p:nvPr>
-        </p:nvSpPr>
-        <p:spPr>
-          <a:xfrm>
-            <a:off x="838200" y="1509486"/>
-            <a:ext cx="10918371" cy="4775200"/>
-          </a:xfrm>
-        </p:spPr>
-        <p:txBody>
-          <a:bodyPr>
-            <a:noAutofit/>
-          </a:bodyPr>
-          <a:lstStyle/>
-          <a:p>
-            <a:pPr marL="0" indent="0">
-              <a:buNone/>
-            </a:pPr>
-            <a:r>
-              <a:rPr lang="en-US" sz="3200" b="1" dirty="0"/>
-              <a:t>Coprocessor</a:t>
-            </a:r>
-            <a:endParaRPr lang="en-US" sz="3200" dirty="0"/>
-          </a:p>
-          <a:p>
-            <a:r>
-              <a:rPr lang="en-US" sz="3200" dirty="0"/>
-              <a:t>A coprocessor is a specially designed microprocessor, which can handle its particular function many times faster than the ordinary microprocessor.</a:t>
-            </a:r>
-          </a:p>
-          <a:p>
-            <a:r>
-              <a:rPr lang="en-US" sz="3200" b="1" dirty="0"/>
-              <a:t>For example</a:t>
-            </a:r>
-            <a:r>
-              <a:rPr lang="en-US" sz="3200" dirty="0"/>
-              <a:t> − Math Coprocessor.</a:t>
-            </a:r>
-          </a:p>
-          <a:p>
-            <a:pPr marL="0" indent="0">
-              <a:buNone/>
-            </a:pPr>
-            <a:r>
-              <a:rPr lang="en-US" sz="3200" dirty="0"/>
-              <a:t>Some Intel math-coprocessors are −</a:t>
-            </a:r>
-          </a:p>
-          <a:p>
-            <a:pPr lvl="1"/>
-            <a:r>
-              <a:rPr lang="en-US" dirty="0"/>
-              <a:t>8087-used with 8086</a:t>
-            </a:r>
-          </a:p>
-          <a:p>
-            <a:pPr lvl="1"/>
-            <a:r>
-              <a:rPr lang="en-US" dirty="0"/>
-              <a:t>80287-used with 80286</a:t>
-            </a:r>
-          </a:p>
-          <a:p>
-            <a:pPr lvl="1"/>
-            <a:r>
-              <a:rPr lang="en-US" dirty="0"/>
-              <a:t>80387-used with 80386</a:t>
-            </a:r>
-          </a:p>
-          <a:p>
-            <a:pPr lvl="0"/>
-            <a:endParaRPr lang="en-US" sz="3600" dirty="0"/>
-          </a:p>
-        </p:txBody>
-      </p:sp>
-    </p:spTree>
-    <p:extLst>
-      <p:ext uri="{BB962C8B-B14F-4D97-AF65-F5344CB8AC3E}">
-        <p14:creationId xmlns:p14="http://schemas.microsoft.com/office/powerpoint/2010/main" val="734118499"/>
       </p:ext>
     </p:extLst>
   </p:cSld>
@@ -5233,19 +5192,15 @@
               <a:buNone/>
             </a:pPr>
             <a:r>
-              <a:rPr lang="en-US" sz="3200" b="1" dirty="0" err="1"/>
-              <a:t>Input/Output</a:t>
-            </a:r>
-            <a:r>
               <a:rPr lang="en-US" sz="3200" b="1" dirty="0"/>
-              <a:t> Processor</a:t>
+              <a:t>Coprocessor</a:t>
             </a:r>
             <a:endParaRPr lang="en-US" sz="3200" dirty="0"/>
           </a:p>
           <a:p>
             <a:r>
               <a:rPr lang="en-US" sz="3200" dirty="0"/>
-              <a:t>It is a specially designed microprocessor having a local memory of its own, which is used to control I/O devices with minimum CPU involvement.</a:t>
+              <a:t>A coprocessor is a specially designed microprocessor, which can handle its particular function many times faster than the ordinary microprocessor.</a:t>
             </a:r>
           </a:p>
           <a:p>
@@ -5255,43 +5210,49 @@
             </a:r>
             <a:r>
               <a:rPr lang="en-US" sz="3200" dirty="0"/>
-              <a:t> −</a:t>
+              <a:t> − Math Coprocessor.</a:t>
+            </a:r>
+          </a:p>
+          <a:p>
+            <a:pPr marL="0" indent="0">
+              <a:buNone/>
+            </a:pPr>
+            <a:r>
+              <a:rPr lang="en-US" sz="3200" dirty="0"/>
+              <a:t>Some Intel math-coprocessors are −</a:t>
             </a:r>
           </a:p>
           <a:p>
             <a:pPr lvl="1"/>
             <a:r>
               <a:rPr lang="en-US" dirty="0"/>
-              <a:t>DMA (direct Memory Access) controller</a:t>
+              <a:t>8087-used with 8086</a:t>
             </a:r>
           </a:p>
           <a:p>
             <a:pPr lvl="1"/>
             <a:r>
               <a:rPr lang="en-US" dirty="0"/>
-              <a:t>Keyboard/mouse controller</a:t>
+              <a:t>80287-used with 80286</a:t>
             </a:r>
           </a:p>
           <a:p>
             <a:pPr lvl="1"/>
             <a:r>
               <a:rPr lang="en-US" dirty="0"/>
-              <a:t>Graphic display controller</a:t>
-            </a:r>
-          </a:p>
-          <a:p>
-            <a:pPr lvl="1"/>
-            <a:r>
-              <a:rPr lang="en-US" dirty="0"/>
-              <a:t>SCSI port controller</a:t>
-            </a:r>
+              <a:t>80387-used with 80386</a:t>
+            </a:r>
+          </a:p>
+          <a:p>
+            <a:pPr lvl="0"/>
+            <a:endParaRPr lang="en-US" sz="3600" dirty="0"/>
           </a:p>
         </p:txBody>
       </p:sp>
     </p:spTree>
     <p:extLst>
       <p:ext uri="{BB962C8B-B14F-4D97-AF65-F5344CB8AC3E}">
-        <p14:creationId xmlns:p14="http://schemas.microsoft.com/office/powerpoint/2010/main" val="566230666"/>
+        <p14:creationId xmlns:p14="http://schemas.microsoft.com/office/powerpoint/2010/main" val="734118499"/>
       </p:ext>
     </p:extLst>
   </p:cSld>
@@ -5360,15 +5321,22 @@
           <a:lstStyle/>
           <a:p>
             <a:r>
-              <a:rPr lang="en-US" b="1" dirty="0">
+              <a:rPr lang="en-US" b="1" dirty="0" smtClean="0">
                 <a:solidFill>
                   <a:schemeClr val="accent1">
                     <a:lumMod val="50000"/>
                   </a:schemeClr>
                 </a:solidFill>
               </a:rPr>
-              <a:t>Applications of RISC and CISC</a:t>
-            </a:r>
+              <a:t>Special Processors</a:t>
+            </a:r>
+            <a:endParaRPr lang="en-US" b="1" dirty="0">
+              <a:solidFill>
+                <a:schemeClr val="accent1">
+                  <a:lumMod val="50000"/>
+                </a:schemeClr>
+              </a:solidFill>
+            </a:endParaRPr>
           </a:p>
         </p:txBody>
       </p:sp>
@@ -5394,24 +5362,61 @@
           </a:bodyPr>
           <a:lstStyle/>
           <a:p>
-            <a:r>
-              <a:rPr lang="en-US" sz="3200" dirty="0" smtClean="0"/>
-              <a:t>RISC </a:t>
-            </a:r>
+            <a:pPr marL="0" indent="0">
+              <a:buNone/>
+            </a:pPr>
+            <a:r>
+              <a:rPr lang="en-US" sz="3200" b="1" dirty="0" err="1"/>
+              <a:t>Input/Output</a:t>
+            </a:r>
+            <a:r>
+              <a:rPr lang="en-US" sz="3200" b="1" dirty="0"/>
+              <a:t> Processor</a:t>
+            </a:r>
+            <a:endParaRPr lang="en-US" sz="3200" dirty="0"/>
+          </a:p>
+          <a:p>
             <a:r>
               <a:rPr lang="en-US" sz="3200" dirty="0"/>
-              <a:t>is used in high-end applications like video processing, telecommunications and image processing. </a:t>
-            </a:r>
-            <a:endParaRPr lang="en-US" sz="3200" dirty="0" smtClean="0"/>
-          </a:p>
-          <a:p>
-            <a:r>
-              <a:rPr lang="en-US" sz="3200" dirty="0" smtClean="0"/>
-              <a:t>CISC </a:t>
+              <a:t>It is a specially designed microprocessor having a local memory of its own, which is used to control I/O devices with minimum CPU involvement.</a:t>
+            </a:r>
+          </a:p>
+          <a:p>
+            <a:r>
+              <a:rPr lang="en-US" sz="3200" b="1" dirty="0"/>
+              <a:t>For example</a:t>
             </a:r>
             <a:r>
               <a:rPr lang="en-US" sz="3200" dirty="0"/>
-              <a:t>is used in low-end applications such as security systems, home automation, etc.</a:t>
+              <a:t> −</a:t>
+            </a:r>
+          </a:p>
+          <a:p>
+            <a:pPr lvl="1"/>
+            <a:r>
+              <a:rPr lang="en-US" dirty="0"/>
+              <a:t>DMA (direct Memory Access) controller</a:t>
+            </a:r>
+          </a:p>
+          <a:p>
+            <a:pPr lvl="1"/>
+            <a:r>
+              <a:rPr lang="en-US" dirty="0"/>
+              <a:t>Keyboard/mouse controller</a:t>
+            </a:r>
+          </a:p>
+          <a:p>
+            <a:pPr lvl="1"/>
+            <a:r>
+              <a:rPr lang="en-US" dirty="0"/>
+              <a:t>Graphic display controller</a:t>
+            </a:r>
+          </a:p>
+          <a:p>
+            <a:pPr lvl="1"/>
+            <a:r>
+              <a:rPr lang="en-US" dirty="0"/>
+              <a:t>SCSI port controller</a:t>
             </a:r>
           </a:p>
         </p:txBody>
@@ -5419,7 +5424,7 @@
     </p:spTree>
     <p:extLst>
       <p:ext uri="{BB962C8B-B14F-4D97-AF65-F5344CB8AC3E}">
-        <p14:creationId xmlns:p14="http://schemas.microsoft.com/office/powerpoint/2010/main" val="195874678"/>
+        <p14:creationId xmlns:p14="http://schemas.microsoft.com/office/powerpoint/2010/main" val="566230666"/>
       </p:ext>
     </p:extLst>
   </p:cSld>
@@ -5495,65 +5500,59 @@
                   </a:schemeClr>
                 </a:solidFill>
               </a:rPr>
+              <a:t>Applications of RISC and CISC</a:t>
+            </a:r>
+          </a:p>
+        </p:txBody>
+      </p:sp>
+      <p:sp>
+        <p:nvSpPr>
+          <p:cNvPr id="3" name="Content Placeholder 2"/>
+          <p:cNvSpPr>
+            <a:spLocks noGrp="1"/>
+          </p:cNvSpPr>
+          <p:nvPr>
+            <p:ph idx="1"/>
+          </p:nvPr>
+        </p:nvSpPr>
+        <p:spPr>
+          <a:xfrm>
+            <a:off x="838200" y="1509486"/>
+            <a:ext cx="10918371" cy="4775200"/>
+          </a:xfrm>
+        </p:spPr>
+        <p:txBody>
+          <a:bodyPr>
+            <a:noAutofit/>
+          </a:bodyPr>
+          <a:lstStyle/>
+          <a:p>
+            <a:r>
+              <a:rPr lang="en-US" sz="3200" dirty="0" smtClean="0"/>
+              <a:t>RISC </a:t>
+            </a:r>
+            <a:r>
+              <a:rPr lang="en-US" sz="3200" dirty="0"/>
+              <a:t>is used in high-end applications like video processing, telecommunications and image processing. </a:t>
+            </a:r>
+            <a:endParaRPr lang="en-US" sz="3200" dirty="0" smtClean="0"/>
+          </a:p>
+          <a:p>
+            <a:r>
+              <a:rPr lang="en-US" sz="3200" dirty="0" smtClean="0"/>
               <a:t>CISC </a:t>
             </a:r>
             <a:r>
-              <a:rPr lang="en-US" b="1" dirty="0" err="1">
-                <a:solidFill>
-                  <a:schemeClr val="accent1">
-                    <a:lumMod val="50000"/>
-                  </a:schemeClr>
-                </a:solidFill>
-              </a:rPr>
-              <a:t>vs</a:t>
-            </a:r>
-            <a:r>
-              <a:rPr lang="en-US" b="1" dirty="0">
-                <a:solidFill>
-                  <a:schemeClr val="accent1">
-                    <a:lumMod val="50000"/>
-                  </a:schemeClr>
-                </a:solidFill>
-              </a:rPr>
-              <a:t> RISC</a:t>
-            </a:r>
-          </a:p>
-        </p:txBody>
-      </p:sp>
-      <p:pic>
-        <p:nvPicPr>
-          <p:cNvPr id="5" name="Picture 4" descr="Image result for risc vs cisc in tabular form"/>
-          <p:cNvPicPr/>
-          <p:nvPr/>
-        </p:nvPicPr>
-        <p:blipFill>
-          <a:blip r:embed="rId2"/>
-          <a:srcRect/>
-          <a:stretch>
-            <a:fillRect/>
-          </a:stretch>
-        </p:blipFill>
-        <p:spPr bwMode="auto">
-          <a:xfrm>
-            <a:off x="838200" y="1380218"/>
-            <a:ext cx="10515600" cy="4498068"/>
-          </a:xfrm>
-          <a:prstGeom prst="rect">
-            <a:avLst/>
-          </a:prstGeom>
-          <a:noFill/>
-          <a:ln w="9525">
-            <a:noFill/>
-            <a:miter lim="800000"/>
-            <a:headEnd/>
-            <a:tailEnd/>
-          </a:ln>
-        </p:spPr>
-      </p:pic>
+              <a:rPr lang="en-US" sz="3200" dirty="0"/>
+              <a:t>is used in low-end applications such as security systems, home automation, etc.</a:t>
+            </a:r>
+          </a:p>
+        </p:txBody>
+      </p:sp>
     </p:spTree>
     <p:extLst>
       <p:ext uri="{BB962C8B-B14F-4D97-AF65-F5344CB8AC3E}">
-        <p14:creationId xmlns:p14="http://schemas.microsoft.com/office/powerpoint/2010/main" val="2120087703"/>
+        <p14:creationId xmlns:p14="http://schemas.microsoft.com/office/powerpoint/2010/main" val="195874678"/>
       </p:ext>
     </p:extLst>
   </p:cSld>
@@ -5812,6 +5811,396 @@
 </file>
 
 <file path=ppt/slides/slide20.xml><?xml version="1.0" encoding="utf-8"?>
+<p:sld xmlns:a="http://schemas.openxmlformats.org/drawingml/2006/main" xmlns:r="http://schemas.openxmlformats.org/officeDocument/2006/relationships" xmlns:p="http://schemas.openxmlformats.org/presentationml/2006/main">
+  <p:cSld>
+    <p:spTree>
+      <p:nvGrpSpPr>
+        <p:cNvPr id="1" name=""/>
+        <p:cNvGrpSpPr/>
+        <p:nvPr/>
+      </p:nvGrpSpPr>
+      <p:grpSpPr>
+        <a:xfrm>
+          <a:off x="0" y="0"/>
+          <a:ext cx="0" cy="0"/>
+          <a:chOff x="0" y="0"/>
+          <a:chExt cx="0" cy="0"/>
+        </a:xfrm>
+      </p:grpSpPr>
+      <p:sp>
+        <p:nvSpPr>
+          <p:cNvPr id="2" name="Title 1"/>
+          <p:cNvSpPr>
+            <a:spLocks noGrp="1"/>
+          </p:cNvSpPr>
+          <p:nvPr>
+            <p:ph type="title"/>
+          </p:nvPr>
+        </p:nvSpPr>
+        <p:spPr>
+          <a:xfrm>
+            <a:off x="838200" y="365126"/>
+            <a:ext cx="10515600" cy="627652"/>
+          </a:xfrm>
+          <a:solidFill>
+            <a:schemeClr val="bg1">
+              <a:lumMod val="95000"/>
+            </a:schemeClr>
+          </a:solidFill>
+          <a:ln>
+            <a:solidFill>
+              <a:schemeClr val="bg2">
+                <a:lumMod val="75000"/>
+              </a:schemeClr>
+            </a:solidFill>
+          </a:ln>
+        </p:spPr>
+        <p:txBody>
+          <a:bodyPr>
+            <a:normAutofit fontScale="90000"/>
+          </a:bodyPr>
+          <a:lstStyle/>
+          <a:p>
+            <a:r>
+              <a:rPr lang="en-US" b="1" dirty="0">
+                <a:solidFill>
+                  <a:schemeClr val="accent1">
+                    <a:lumMod val="50000"/>
+                  </a:schemeClr>
+                </a:solidFill>
+              </a:rPr>
+              <a:t>CISC </a:t>
+            </a:r>
+            <a:r>
+              <a:rPr lang="en-US" b="1" dirty="0" err="1">
+                <a:solidFill>
+                  <a:schemeClr val="accent1">
+                    <a:lumMod val="50000"/>
+                  </a:schemeClr>
+                </a:solidFill>
+              </a:rPr>
+              <a:t>vs</a:t>
+            </a:r>
+            <a:r>
+              <a:rPr lang="en-US" b="1" dirty="0">
+                <a:solidFill>
+                  <a:schemeClr val="accent1">
+                    <a:lumMod val="50000"/>
+                  </a:schemeClr>
+                </a:solidFill>
+              </a:rPr>
+              <a:t> RISC</a:t>
+            </a:r>
+          </a:p>
+        </p:txBody>
+      </p:sp>
+      <p:pic>
+        <p:nvPicPr>
+          <p:cNvPr id="3" name="Picture 2"/>
+          <p:cNvPicPr>
+            <a:picLocks noChangeAspect="1"/>
+          </p:cNvPicPr>
+          <p:nvPr/>
+        </p:nvPicPr>
+        <p:blipFill>
+          <a:blip r:embed="rId2"/>
+          <a:stretch>
+            <a:fillRect/>
+          </a:stretch>
+        </p:blipFill>
+        <p:spPr>
+          <a:xfrm>
+            <a:off x="838201" y="1123122"/>
+            <a:ext cx="7749208" cy="5377004"/>
+          </a:xfrm>
+          <a:prstGeom prst="rect">
+            <a:avLst/>
+          </a:prstGeom>
+        </p:spPr>
+      </p:pic>
+    </p:spTree>
+    <p:extLst>
+      <p:ext uri="{BB962C8B-B14F-4D97-AF65-F5344CB8AC3E}">
+        <p14:creationId xmlns:p14="http://schemas.microsoft.com/office/powerpoint/2010/main" val="2120087703"/>
+      </p:ext>
+    </p:extLst>
+  </p:cSld>
+  <p:clrMapOvr>
+    <a:masterClrMapping/>
+  </p:clrMapOvr>
+  <p:timing>
+    <p:tnLst>
+      <p:par>
+        <p:cTn id="1" dur="indefinite" restart="never" nodeType="tmRoot"/>
+      </p:par>
+    </p:tnLst>
+  </p:timing>
+</p:sld>
+</file>
+
+<file path=ppt/slides/slide21.xml><?xml version="1.0" encoding="utf-8"?>
+<p:sld xmlns:a="http://schemas.openxmlformats.org/drawingml/2006/main" xmlns:r="http://schemas.openxmlformats.org/officeDocument/2006/relationships" xmlns:p="http://schemas.openxmlformats.org/presentationml/2006/main">
+  <p:cSld>
+    <p:spTree>
+      <p:nvGrpSpPr>
+        <p:cNvPr id="1" name=""/>
+        <p:cNvGrpSpPr/>
+        <p:nvPr/>
+      </p:nvGrpSpPr>
+      <p:grpSpPr>
+        <a:xfrm>
+          <a:off x="0" y="0"/>
+          <a:ext cx="0" cy="0"/>
+          <a:chOff x="0" y="0"/>
+          <a:chExt cx="0" cy="0"/>
+        </a:xfrm>
+      </p:grpSpPr>
+      <p:sp>
+        <p:nvSpPr>
+          <p:cNvPr id="2" name="Title 1"/>
+          <p:cNvSpPr>
+            <a:spLocks noGrp="1"/>
+          </p:cNvSpPr>
+          <p:nvPr>
+            <p:ph type="title"/>
+          </p:nvPr>
+        </p:nvSpPr>
+        <p:spPr>
+          <a:xfrm>
+            <a:off x="838200" y="365126"/>
+            <a:ext cx="10515600" cy="627652"/>
+          </a:xfrm>
+          <a:solidFill>
+            <a:schemeClr val="bg1">
+              <a:lumMod val="95000"/>
+            </a:schemeClr>
+          </a:solidFill>
+          <a:ln>
+            <a:solidFill>
+              <a:schemeClr val="bg2">
+                <a:lumMod val="75000"/>
+              </a:schemeClr>
+            </a:solidFill>
+          </a:ln>
+        </p:spPr>
+        <p:txBody>
+          <a:bodyPr>
+            <a:normAutofit fontScale="90000"/>
+          </a:bodyPr>
+          <a:lstStyle/>
+          <a:p>
+            <a:r>
+              <a:rPr lang="en-US" b="1" dirty="0">
+                <a:solidFill>
+                  <a:schemeClr val="accent1">
+                    <a:lumMod val="50000"/>
+                  </a:schemeClr>
+                </a:solidFill>
+              </a:rPr>
+              <a:t>CISC </a:t>
+            </a:r>
+            <a:r>
+              <a:rPr lang="en-US" b="1" dirty="0" err="1">
+                <a:solidFill>
+                  <a:schemeClr val="accent1">
+                    <a:lumMod val="50000"/>
+                  </a:schemeClr>
+                </a:solidFill>
+              </a:rPr>
+              <a:t>vs</a:t>
+            </a:r>
+            <a:r>
+              <a:rPr lang="en-US" b="1" dirty="0">
+                <a:solidFill>
+                  <a:schemeClr val="accent1">
+                    <a:lumMod val="50000"/>
+                  </a:schemeClr>
+                </a:solidFill>
+              </a:rPr>
+              <a:t> RISC</a:t>
+            </a:r>
+          </a:p>
+        </p:txBody>
+      </p:sp>
+      <p:pic>
+        <p:nvPicPr>
+          <p:cNvPr id="4" name="Picture 3"/>
+          <p:cNvPicPr>
+            <a:picLocks noChangeAspect="1"/>
+          </p:cNvPicPr>
+          <p:nvPr/>
+        </p:nvPicPr>
+        <p:blipFill>
+          <a:blip r:embed="rId2"/>
+          <a:stretch>
+            <a:fillRect/>
+          </a:stretch>
+        </p:blipFill>
+        <p:spPr>
+          <a:xfrm>
+            <a:off x="993913" y="1329972"/>
+            <a:ext cx="8587409" cy="4953429"/>
+          </a:xfrm>
+          <a:prstGeom prst="rect">
+            <a:avLst/>
+          </a:prstGeom>
+        </p:spPr>
+      </p:pic>
+    </p:spTree>
+    <p:extLst>
+      <p:ext uri="{BB962C8B-B14F-4D97-AF65-F5344CB8AC3E}">
+        <p14:creationId xmlns:p14="http://schemas.microsoft.com/office/powerpoint/2010/main" val="1857561810"/>
+      </p:ext>
+    </p:extLst>
+  </p:cSld>
+  <p:clrMapOvr>
+    <a:masterClrMapping/>
+  </p:clrMapOvr>
+  <p:timing>
+    <p:tnLst>
+      <p:par>
+        <p:cTn id="1" dur="indefinite" restart="never" nodeType="tmRoot"/>
+      </p:par>
+    </p:tnLst>
+  </p:timing>
+</p:sld>
+</file>
+
+<file path=ppt/slides/slide22.xml><?xml version="1.0" encoding="utf-8"?>
+<p:sld xmlns:a="http://schemas.openxmlformats.org/drawingml/2006/main" xmlns:r="http://schemas.openxmlformats.org/officeDocument/2006/relationships" xmlns:p="http://schemas.openxmlformats.org/presentationml/2006/main">
+  <p:cSld>
+    <p:spTree>
+      <p:nvGrpSpPr>
+        <p:cNvPr id="1" name=""/>
+        <p:cNvGrpSpPr/>
+        <p:nvPr/>
+      </p:nvGrpSpPr>
+      <p:grpSpPr>
+        <a:xfrm>
+          <a:off x="0" y="0"/>
+          <a:ext cx="0" cy="0"/>
+          <a:chOff x="0" y="0"/>
+          <a:chExt cx="0" cy="0"/>
+        </a:xfrm>
+      </p:grpSpPr>
+      <p:sp>
+        <p:nvSpPr>
+          <p:cNvPr id="2" name="Title 1"/>
+          <p:cNvSpPr>
+            <a:spLocks noGrp="1"/>
+          </p:cNvSpPr>
+          <p:nvPr>
+            <p:ph type="title"/>
+          </p:nvPr>
+        </p:nvSpPr>
+        <p:spPr>
+          <a:xfrm>
+            <a:off x="838200" y="365126"/>
+            <a:ext cx="10515600" cy="627652"/>
+          </a:xfrm>
+          <a:solidFill>
+            <a:schemeClr val="bg1">
+              <a:lumMod val="95000"/>
+            </a:schemeClr>
+          </a:solidFill>
+          <a:ln>
+            <a:solidFill>
+              <a:schemeClr val="bg2">
+                <a:lumMod val="75000"/>
+              </a:schemeClr>
+            </a:solidFill>
+          </a:ln>
+        </p:spPr>
+        <p:txBody>
+          <a:bodyPr>
+            <a:normAutofit fontScale="90000"/>
+          </a:bodyPr>
+          <a:lstStyle/>
+          <a:p>
+            <a:r>
+              <a:rPr lang="en-US" b="1" dirty="0">
+                <a:solidFill>
+                  <a:schemeClr val="accent1">
+                    <a:lumMod val="50000"/>
+                  </a:schemeClr>
+                </a:solidFill>
+              </a:rPr>
+              <a:t>CISC </a:t>
+            </a:r>
+            <a:r>
+              <a:rPr lang="en-US" b="1" dirty="0" err="1">
+                <a:solidFill>
+                  <a:schemeClr val="accent1">
+                    <a:lumMod val="50000"/>
+                  </a:schemeClr>
+                </a:solidFill>
+              </a:rPr>
+              <a:t>vs</a:t>
+            </a:r>
+            <a:r>
+              <a:rPr lang="en-US" b="1" dirty="0">
+                <a:solidFill>
+                  <a:schemeClr val="accent1">
+                    <a:lumMod val="50000"/>
+                  </a:schemeClr>
+                </a:solidFill>
+              </a:rPr>
+              <a:t> RISC</a:t>
+            </a:r>
+          </a:p>
+        </p:txBody>
+      </p:sp>
+      <p:pic>
+        <p:nvPicPr>
+          <p:cNvPr id="5" name="Picture 4" descr="Image result for risc vs cisc in tabular form"/>
+          <p:cNvPicPr/>
+          <p:nvPr/>
+        </p:nvPicPr>
+        <p:blipFill>
+          <a:blip r:embed="rId2"/>
+          <a:srcRect/>
+          <a:stretch>
+            <a:fillRect/>
+          </a:stretch>
+        </p:blipFill>
+        <p:spPr bwMode="auto">
+          <a:xfrm>
+            <a:off x="838200" y="1380218"/>
+            <a:ext cx="10515600" cy="4498068"/>
+          </a:xfrm>
+          <a:prstGeom prst="rect">
+            <a:avLst/>
+          </a:prstGeom>
+          <a:noFill/>
+          <a:ln w="9525">
+            <a:noFill/>
+            <a:miter lim="800000"/>
+            <a:headEnd/>
+            <a:tailEnd/>
+          </a:ln>
+        </p:spPr>
+      </p:pic>
+    </p:spTree>
+    <p:extLst>
+      <p:ext uri="{BB962C8B-B14F-4D97-AF65-F5344CB8AC3E}">
+        <p14:creationId xmlns:p14="http://schemas.microsoft.com/office/powerpoint/2010/main" val="1023247523"/>
+      </p:ext>
+    </p:extLst>
+  </p:cSld>
+  <p:clrMapOvr>
+    <a:masterClrMapping/>
+  </p:clrMapOvr>
+  <p:timing>
+    <p:tnLst>
+      <p:par>
+        <p:cTn id="1" dur="indefinite" restart="never" nodeType="tmRoot"/>
+      </p:par>
+    </p:tnLst>
+  </p:timing>
+</p:sld>
+</file>
+
+<file path=ppt/slides/slide23.xml><?xml version="1.0" encoding="utf-8"?>
 <p:sld xmlns:a="http://schemas.openxmlformats.org/drawingml/2006/main" xmlns:r="http://schemas.openxmlformats.org/officeDocument/2006/relationships" xmlns:p="http://schemas.openxmlformats.org/presentationml/2006/main">
   <p:cSld>
     <p:spTree>

--- a/Lecture 2.pptx
+++ b/Lecture 2.pptx
@@ -15,21 +15,21 @@
     <p:sldId id="265" r:id="rId6"/>
     <p:sldId id="280" r:id="rId7"/>
     <p:sldId id="278" r:id="rId8"/>
-    <p:sldId id="281" r:id="rId9"/>
-    <p:sldId id="277" r:id="rId10"/>
-    <p:sldId id="292" r:id="rId11"/>
-    <p:sldId id="264" r:id="rId12"/>
-    <p:sldId id="282" r:id="rId13"/>
-    <p:sldId id="266" r:id="rId14"/>
-    <p:sldId id="283" r:id="rId15"/>
-    <p:sldId id="284" r:id="rId16"/>
-    <p:sldId id="285" r:id="rId17"/>
-    <p:sldId id="286" r:id="rId18"/>
-    <p:sldId id="287" r:id="rId19"/>
-    <p:sldId id="288" r:id="rId20"/>
-    <p:sldId id="289" r:id="rId21"/>
-    <p:sldId id="291" r:id="rId22"/>
-    <p:sldId id="290" r:id="rId23"/>
+    <p:sldId id="277" r:id="rId9"/>
+    <p:sldId id="292" r:id="rId10"/>
+    <p:sldId id="264" r:id="rId11"/>
+    <p:sldId id="282" r:id="rId12"/>
+    <p:sldId id="266" r:id="rId13"/>
+    <p:sldId id="283" r:id="rId14"/>
+    <p:sldId id="284" r:id="rId15"/>
+    <p:sldId id="285" r:id="rId16"/>
+    <p:sldId id="286" r:id="rId17"/>
+    <p:sldId id="287" r:id="rId18"/>
+    <p:sldId id="288" r:id="rId19"/>
+    <p:sldId id="289" r:id="rId20"/>
+    <p:sldId id="291" r:id="rId21"/>
+    <p:sldId id="290" r:id="rId22"/>
+    <p:sldId id="293" r:id="rId23"/>
     <p:sldId id="273" r:id="rId24"/>
   </p:sldIdLst>
   <p:sldSz cx="12192000" cy="6858000"/>
@@ -219,7 +219,7 @@
           <a:p>
             <a:fld id="{B30DCE05-410F-4887-8390-4434594AA9B1}" type="datetimeFigureOut">
               <a:rPr lang="en-US" smtClean="0"/>
-              <a:t>11/4/2024</a:t>
+              <a:t>4/21/2025</a:t>
             </a:fld>
             <a:endParaRPr lang="en-US"/>
           </a:p>
@@ -552,7 +552,7 @@
           <a:p>
             <a:fld id="{8803167E-4F84-4B4E-89CD-A53CC6B890F0}" type="slidenum">
               <a:rPr lang="en-US" smtClean="0"/>
-              <a:t>11</a:t>
+              <a:t>10</a:t>
             </a:fld>
             <a:endParaRPr lang="en-US"/>
           </a:p>
@@ -636,7 +636,7 @@
           <a:p>
             <a:fld id="{8803167E-4F84-4B4E-89CD-A53CC6B890F0}" type="slidenum">
               <a:rPr lang="en-US" smtClean="0"/>
-              <a:t>12</a:t>
+              <a:t>11</a:t>
             </a:fld>
             <a:endParaRPr lang="en-US"/>
           </a:p>
@@ -720,7 +720,7 @@
           <a:p>
             <a:fld id="{8803167E-4F84-4B4E-89CD-A53CC6B890F0}" type="slidenum">
               <a:rPr lang="en-US" smtClean="0"/>
-              <a:t>14</a:t>
+              <a:t>13</a:t>
             </a:fld>
             <a:endParaRPr lang="en-US"/>
           </a:p>
@@ -804,7 +804,7 @@
           <a:p>
             <a:fld id="{8803167E-4F84-4B4E-89CD-A53CC6B890F0}" type="slidenum">
               <a:rPr lang="en-US" smtClean="0"/>
-              <a:t>15</a:t>
+              <a:t>14</a:t>
             </a:fld>
             <a:endParaRPr lang="en-US"/>
           </a:p>
@@ -954,7 +954,7 @@
           <a:p>
             <a:fld id="{A87C90F2-8AC5-42A7-8E89-944FEB175D6A}" type="datetimeFigureOut">
               <a:rPr lang="en-US" smtClean="0"/>
-              <a:t>11/4/2024</a:t>
+              <a:t>4/21/2025</a:t>
             </a:fld>
             <a:endParaRPr lang="en-US"/>
           </a:p>
@@ -1124,7 +1124,7 @@
           <a:p>
             <a:fld id="{A87C90F2-8AC5-42A7-8E89-944FEB175D6A}" type="datetimeFigureOut">
               <a:rPr lang="en-US" smtClean="0"/>
-              <a:t>11/4/2024</a:t>
+              <a:t>4/21/2025</a:t>
             </a:fld>
             <a:endParaRPr lang="en-US"/>
           </a:p>
@@ -1304,7 +1304,7 @@
           <a:p>
             <a:fld id="{A87C90F2-8AC5-42A7-8E89-944FEB175D6A}" type="datetimeFigureOut">
               <a:rPr lang="en-US" smtClean="0"/>
-              <a:t>11/4/2024</a:t>
+              <a:t>4/21/2025</a:t>
             </a:fld>
             <a:endParaRPr lang="en-US"/>
           </a:p>
@@ -1474,7 +1474,7 @@
           <a:p>
             <a:fld id="{A87C90F2-8AC5-42A7-8E89-944FEB175D6A}" type="datetimeFigureOut">
               <a:rPr lang="en-US" smtClean="0"/>
-              <a:t>11/4/2024</a:t>
+              <a:t>4/21/2025</a:t>
             </a:fld>
             <a:endParaRPr lang="en-US"/>
           </a:p>
@@ -1720,7 +1720,7 @@
           <a:p>
             <a:fld id="{A87C90F2-8AC5-42A7-8E89-944FEB175D6A}" type="datetimeFigureOut">
               <a:rPr lang="en-US" smtClean="0"/>
-              <a:t>11/4/2024</a:t>
+              <a:t>4/21/2025</a:t>
             </a:fld>
             <a:endParaRPr lang="en-US"/>
           </a:p>
@@ -1952,7 +1952,7 @@
           <a:p>
             <a:fld id="{A87C90F2-8AC5-42A7-8E89-944FEB175D6A}" type="datetimeFigureOut">
               <a:rPr lang="en-US" smtClean="0"/>
-              <a:t>11/4/2024</a:t>
+              <a:t>4/21/2025</a:t>
             </a:fld>
             <a:endParaRPr lang="en-US"/>
           </a:p>
@@ -2319,7 +2319,7 @@
           <a:p>
             <a:fld id="{A87C90F2-8AC5-42A7-8E89-944FEB175D6A}" type="datetimeFigureOut">
               <a:rPr lang="en-US" smtClean="0"/>
-              <a:t>11/4/2024</a:t>
+              <a:t>4/21/2025</a:t>
             </a:fld>
             <a:endParaRPr lang="en-US"/>
           </a:p>
@@ -2437,7 +2437,7 @@
           <a:p>
             <a:fld id="{A87C90F2-8AC5-42A7-8E89-944FEB175D6A}" type="datetimeFigureOut">
               <a:rPr lang="en-US" smtClean="0"/>
-              <a:t>11/4/2024</a:t>
+              <a:t>4/21/2025</a:t>
             </a:fld>
             <a:endParaRPr lang="en-US"/>
           </a:p>
@@ -2532,7 +2532,7 @@
           <a:p>
             <a:fld id="{A87C90F2-8AC5-42A7-8E89-944FEB175D6A}" type="datetimeFigureOut">
               <a:rPr lang="en-US" smtClean="0"/>
-              <a:t>11/4/2024</a:t>
+              <a:t>4/21/2025</a:t>
             </a:fld>
             <a:endParaRPr lang="en-US"/>
           </a:p>
@@ -2809,7 +2809,7 @@
           <a:p>
             <a:fld id="{A87C90F2-8AC5-42A7-8E89-944FEB175D6A}" type="datetimeFigureOut">
               <a:rPr lang="en-US" smtClean="0"/>
-              <a:t>11/4/2024</a:t>
+              <a:t>4/21/2025</a:t>
             </a:fld>
             <a:endParaRPr lang="en-US"/>
           </a:p>
@@ -3062,7 +3062,7 @@
           <a:p>
             <a:fld id="{A87C90F2-8AC5-42A7-8E89-944FEB175D6A}" type="datetimeFigureOut">
               <a:rPr lang="en-US" smtClean="0"/>
-              <a:t>11/4/2024</a:t>
+              <a:t>4/21/2025</a:t>
             </a:fld>
             <a:endParaRPr lang="en-US"/>
           </a:p>
@@ -3275,7 +3275,7 @@
           <a:p>
             <a:fld id="{A87C90F2-8AC5-42A7-8E89-944FEB175D6A}" type="datetimeFigureOut">
               <a:rPr lang="en-US" smtClean="0"/>
-              <a:t>11/4/2024</a:t>
+              <a:t>4/21/2025</a:t>
             </a:fld>
             <a:endParaRPr lang="en-US"/>
           </a:p>
@@ -3970,7 +3970,7 @@
               <a:buNone/>
             </a:pPr>
             <a:r>
-              <a:rPr lang="en-US" sz="3200" i="1" dirty="0">
+              <a:rPr lang="en-US" sz="3200" i="1" dirty="0" smtClean="0">
                 <a:solidFill>
                   <a:schemeClr val="tx2"/>
                 </a:solidFill>
@@ -3979,7 +3979,7 @@
               <a:t>Syed </a:t>
             </a:r>
             <a:r>
-              <a:rPr lang="en-US" sz="3200" i="1" dirty="0" err="1">
+              <a:rPr lang="en-US" sz="3200" i="1" dirty="0" err="1" smtClean="0">
                 <a:solidFill>
                   <a:schemeClr val="tx2"/>
                 </a:solidFill>
@@ -3988,7 +3988,7 @@
               <a:t>Shakil</a:t>
             </a:r>
             <a:r>
-              <a:rPr lang="en-US" sz="3200" i="1" dirty="0">
+              <a:rPr lang="en-US" sz="3200" i="1" dirty="0" smtClean="0">
                 <a:solidFill>
                   <a:schemeClr val="tx2"/>
                 </a:solidFill>
@@ -3996,6 +3996,12 @@
               </a:rPr>
               <a:t> Mahmud</a:t>
             </a:r>
+            <a:endParaRPr lang="en-US" sz="3200" i="1" dirty="0">
+              <a:solidFill>
+                <a:schemeClr val="tx2"/>
+              </a:solidFill>
+              <a:latin typeface="Bahnschrift Condensed" panose="020B0502040204020203" pitchFamily="34" charset="0"/>
+            </a:endParaRPr>
           </a:p>
           <a:p>
             <a:pPr marL="0" indent="0" algn="ctr">
@@ -4120,7 +4126,7 @@
                   </a:schemeClr>
                 </a:solidFill>
               </a:rPr>
-              <a:t>RISC and CISC</a:t>
+              <a:t>RISC Processor</a:t>
             </a:r>
             <a:endParaRPr lang="en-US" b="1" dirty="0">
               <a:solidFill>
@@ -4132,49 +4138,81 @@
           </a:p>
         </p:txBody>
       </p:sp>
-      <p:pic>
-        <p:nvPicPr>
-          <p:cNvPr id="1026" name="Picture 2" descr="RISC-and-CISC"/>
-          <p:cNvPicPr>
-            <a:picLocks noChangeAspect="1" noChangeArrowheads="1"/>
-          </p:cNvPicPr>
-          <p:nvPr/>
-        </p:nvPicPr>
-        <p:blipFill rotWithShape="1">
-          <a:blip r:embed="rId2">
-            <a:extLst>
-              <a:ext uri="{28A0092B-C50C-407E-A947-70E740481C1C}">
-                <a14:useLocalDpi xmlns:a14="http://schemas.microsoft.com/office/drawing/2010/main" val="0"/>
-              </a:ext>
-            </a:extLst>
-          </a:blip>
-          <a:srcRect b="8666"/>
-          <a:stretch/>
-        </p:blipFill>
-        <p:spPr bwMode="auto">
-          <a:xfrm>
-            <a:off x="1073426" y="1103243"/>
-            <a:ext cx="9501809" cy="5227983"/>
-          </a:xfrm>
-          <a:prstGeom prst="rect">
-            <a:avLst/>
-          </a:prstGeom>
-          <a:noFill/>
-          <a:extLst>
-            <a:ext uri="{909E8E84-426E-40DD-AFC4-6F175D3DCCD1}">
-              <a14:hiddenFill xmlns:a14="http://schemas.microsoft.com/office/drawing/2010/main">
-                <a:solidFill>
-                  <a:srgbClr val="FFFFFF"/>
-                </a:solidFill>
-              </a14:hiddenFill>
-            </a:ext>
-          </a:extLst>
-        </p:spPr>
-      </p:pic>
+      <p:sp>
+        <p:nvSpPr>
+          <p:cNvPr id="3" name="Content Placeholder 2"/>
+          <p:cNvSpPr>
+            <a:spLocks noGrp="1"/>
+          </p:cNvSpPr>
+          <p:nvPr>
+            <p:ph idx="1"/>
+          </p:nvPr>
+        </p:nvSpPr>
+        <p:spPr>
+          <a:xfrm>
+            <a:off x="838200" y="1476104"/>
+            <a:ext cx="10515600" cy="5184185"/>
+          </a:xfrm>
+        </p:spPr>
+        <p:txBody>
+          <a:bodyPr>
+            <a:normAutofit/>
+          </a:bodyPr>
+          <a:lstStyle/>
+          <a:p>
+            <a:r>
+              <a:rPr lang="en-US" dirty="0"/>
+              <a:t>RISC stands for </a:t>
+            </a:r>
+            <a:r>
+              <a:rPr lang="en-US" b="1" dirty="0"/>
+              <a:t>Reduced Instruction Set Computer</a:t>
+            </a:r>
+            <a:r>
+              <a:rPr lang="en-US" dirty="0"/>
+              <a:t>. It is designed to reduce the execution time by simplifying the instruction set of the computer. Using RISC processors, each instruction requires only one clock cycle to execute results in uniform execution time. This reduces the efficiency as there are more lines of code, hence more RAM is needed to store the instructions. The compiler also has to work more to convert high-level language instructions into machine code.</a:t>
+            </a:r>
+          </a:p>
+          <a:p>
+            <a:r>
+              <a:rPr lang="en-US" dirty="0"/>
+              <a:t>Some of the RISC processors are −</a:t>
+            </a:r>
+          </a:p>
+          <a:p>
+            <a:pPr lvl="1"/>
+            <a:r>
+              <a:rPr lang="en-US" dirty="0"/>
+              <a:t>Power PC: 601, 604, 615, 620</a:t>
+            </a:r>
+          </a:p>
+          <a:p>
+            <a:pPr lvl="1"/>
+            <a:r>
+              <a:rPr lang="en-US" dirty="0"/>
+              <a:t>DEC Alpha: 210642, 211066, 21068, 21164</a:t>
+            </a:r>
+          </a:p>
+          <a:p>
+            <a:pPr lvl="1"/>
+            <a:r>
+              <a:rPr lang="en-US" dirty="0"/>
+              <a:t>MIPS: TS (R10000) RISC Processor</a:t>
+            </a:r>
+          </a:p>
+          <a:p>
+            <a:pPr lvl="1"/>
+            <a:r>
+              <a:rPr lang="en-US" dirty="0"/>
+              <a:t>PA-RISC: HP 7100LC</a:t>
+            </a:r>
+          </a:p>
+        </p:txBody>
+      </p:sp>
     </p:spTree>
     <p:extLst>
       <p:ext uri="{BB962C8B-B14F-4D97-AF65-F5344CB8AC3E}">
-        <p14:creationId xmlns:p14="http://schemas.microsoft.com/office/powerpoint/2010/main" val="1742784582"/>
+        <p14:creationId xmlns:p14="http://schemas.microsoft.com/office/powerpoint/2010/main" val="771793299"/>
       </p:ext>
     </p:extLst>
   </p:cSld>
@@ -4243,100 +4281,52 @@
           <a:lstStyle/>
           <a:p>
             <a:r>
-              <a:rPr lang="en-US" b="1" dirty="0" smtClean="0">
+              <a:rPr lang="en-US" b="1" dirty="0">
                 <a:solidFill>
                   <a:schemeClr val="accent1">
                     <a:lumMod val="50000"/>
                   </a:schemeClr>
                 </a:solidFill>
               </a:rPr>
-              <a:t>RISC Processor</a:t>
-            </a:r>
-            <a:endParaRPr lang="en-US" b="1" dirty="0">
-              <a:solidFill>
-                <a:schemeClr val="accent1">
-                  <a:lumMod val="50000"/>
-                </a:schemeClr>
-              </a:solidFill>
-            </a:endParaRPr>
-          </a:p>
-        </p:txBody>
-      </p:sp>
-      <p:sp>
-        <p:nvSpPr>
-          <p:cNvPr id="3" name="Content Placeholder 2"/>
-          <p:cNvSpPr>
-            <a:spLocks noGrp="1"/>
-          </p:cNvSpPr>
-          <p:nvPr>
-            <p:ph idx="1"/>
-          </p:nvPr>
-        </p:nvSpPr>
-        <p:spPr>
-          <a:xfrm>
-            <a:off x="838200" y="1476104"/>
-            <a:ext cx="10515600" cy="5184185"/>
-          </a:xfrm>
-        </p:spPr>
-        <p:txBody>
-          <a:bodyPr>
-            <a:normAutofit/>
-          </a:bodyPr>
-          <a:lstStyle/>
-          <a:p>
-            <a:r>
-              <a:rPr lang="en-US" dirty="0"/>
-              <a:t>RISC stands for </a:t>
-            </a:r>
-            <a:r>
-              <a:rPr lang="en-US" b="1" dirty="0"/>
-              <a:t>Reduced Instruction Set Computer</a:t>
-            </a:r>
-            <a:r>
-              <a:rPr lang="en-US" dirty="0"/>
-              <a:t>. It is designed to reduce the execution time by simplifying the instruction set of the computer. Using RISC processors, each instruction requires only one clock cycle to execute results in uniform execution time. This reduces the efficiency as there are more lines of code, hence more RAM is needed to store the instructions. The compiler also has to work more to convert high-level language instructions into machine code.</a:t>
-            </a:r>
-          </a:p>
-          <a:p>
-            <a:r>
-              <a:rPr lang="en-US" dirty="0"/>
-              <a:t>Some of the RISC processors are −</a:t>
-            </a:r>
-          </a:p>
-          <a:p>
-            <a:pPr lvl="1"/>
-            <a:r>
-              <a:rPr lang="en-US" dirty="0"/>
-              <a:t>Power PC: 601, 604, 615, 620</a:t>
-            </a:r>
-          </a:p>
-          <a:p>
-            <a:pPr lvl="1"/>
-            <a:r>
-              <a:rPr lang="en-US" dirty="0"/>
-              <a:t>DEC Alpha: 210642, 211066, 21068, 21164</a:t>
-            </a:r>
-          </a:p>
-          <a:p>
-            <a:pPr lvl="1"/>
-            <a:r>
-              <a:rPr lang="en-US" dirty="0"/>
-              <a:t>MIPS: TS (R10000) RISC Processor</a:t>
-            </a:r>
-          </a:p>
-          <a:p>
-            <a:pPr lvl="1"/>
-            <a:r>
-              <a:rPr lang="en-US" dirty="0"/>
-              <a:t>PA-RISC: HP 7100LC</a:t>
-            </a:r>
-          </a:p>
-        </p:txBody>
-      </p:sp>
+              <a:t>Architecture of RISC</a:t>
+            </a:r>
+          </a:p>
+        </p:txBody>
+      </p:sp>
+      <p:pic>
+        <p:nvPicPr>
+          <p:cNvPr id="5" name="Picture 4" descr="Architecture of RISC"/>
+          <p:cNvPicPr/>
+          <p:nvPr/>
+        </p:nvPicPr>
+        <p:blipFill>
+          <a:blip r:embed="rId3"/>
+          <a:srcRect/>
+          <a:stretch>
+            <a:fillRect/>
+          </a:stretch>
+        </p:blipFill>
+        <p:spPr bwMode="auto">
+          <a:xfrm>
+            <a:off x="2400073" y="1387248"/>
+            <a:ext cx="7092270" cy="4549095"/>
+          </a:xfrm>
+          <a:prstGeom prst="rect">
+            <a:avLst/>
+          </a:prstGeom>
+          <a:noFill/>
+          <a:ln w="9525">
+            <a:noFill/>
+            <a:miter lim="800000"/>
+            <a:headEnd/>
+            <a:tailEnd/>
+          </a:ln>
+        </p:spPr>
+      </p:pic>
     </p:spTree>
     <p:extLst>
       <p:ext uri="{BB962C8B-B14F-4D97-AF65-F5344CB8AC3E}">
-        <p14:creationId xmlns:p14="http://schemas.microsoft.com/office/powerpoint/2010/main" val="771793299"/>
+        <p14:creationId xmlns:p14="http://schemas.microsoft.com/office/powerpoint/2010/main" val="1528681447"/>
       </p:ext>
     </p:extLst>
   </p:cSld>
@@ -4405,52 +4395,108 @@
           <a:lstStyle/>
           <a:p>
             <a:r>
-              <a:rPr lang="en-US" b="1" dirty="0">
+              <a:rPr lang="en-US" b="1" dirty="0" smtClean="0">
                 <a:solidFill>
                   <a:schemeClr val="accent1">
                     <a:lumMod val="50000"/>
                   </a:schemeClr>
                 </a:solidFill>
               </a:rPr>
-              <a:t>Architecture of RISC</a:t>
-            </a:r>
-          </a:p>
-        </p:txBody>
-      </p:sp>
-      <p:pic>
-        <p:nvPicPr>
-          <p:cNvPr id="5" name="Picture 4" descr="Architecture of RISC"/>
-          <p:cNvPicPr/>
-          <p:nvPr/>
-        </p:nvPicPr>
-        <p:blipFill>
-          <a:blip r:embed="rId3"/>
-          <a:srcRect/>
-          <a:stretch>
-            <a:fillRect/>
-          </a:stretch>
-        </p:blipFill>
-        <p:spPr bwMode="auto">
-          <a:xfrm>
-            <a:off x="2400073" y="1387248"/>
-            <a:ext cx="7092270" cy="4549095"/>
-          </a:xfrm>
-          <a:prstGeom prst="rect">
-            <a:avLst/>
-          </a:prstGeom>
-          <a:noFill/>
-          <a:ln w="9525">
-            <a:noFill/>
-            <a:miter lim="800000"/>
-            <a:headEnd/>
-            <a:tailEnd/>
-          </a:ln>
-        </p:spPr>
-      </p:pic>
+              <a:t>Characteristics of RISC</a:t>
+            </a:r>
+            <a:endParaRPr lang="en-US" b="1" dirty="0">
+              <a:solidFill>
+                <a:schemeClr val="accent1">
+                  <a:lumMod val="50000"/>
+                </a:schemeClr>
+              </a:solidFill>
+            </a:endParaRPr>
+          </a:p>
+        </p:txBody>
+      </p:sp>
+      <p:sp>
+        <p:nvSpPr>
+          <p:cNvPr id="3" name="Content Placeholder 2"/>
+          <p:cNvSpPr>
+            <a:spLocks noGrp="1"/>
+          </p:cNvSpPr>
+          <p:nvPr>
+            <p:ph idx="1"/>
+          </p:nvPr>
+        </p:nvSpPr>
+        <p:spPr>
+          <a:xfrm>
+            <a:off x="838200" y="1175657"/>
+            <a:ext cx="10918371" cy="4775200"/>
+          </a:xfrm>
+        </p:spPr>
+        <p:txBody>
+          <a:bodyPr>
+            <a:noAutofit/>
+          </a:bodyPr>
+          <a:lstStyle/>
+          <a:p>
+            <a:pPr lvl="0"/>
+            <a:r>
+              <a:rPr lang="en-US" sz="3400" dirty="0"/>
+              <a:t>It consists of simple instructions.</a:t>
+            </a:r>
+          </a:p>
+          <a:p>
+            <a:pPr lvl="0"/>
+            <a:r>
+              <a:rPr lang="en-US" sz="3400" dirty="0"/>
+              <a:t>It supports various data-type formats.</a:t>
+            </a:r>
+          </a:p>
+          <a:p>
+            <a:pPr lvl="0"/>
+            <a:r>
+              <a:rPr lang="en-US" sz="3400" dirty="0"/>
+              <a:t>It utilizes simple addressing modes and fixed length instructions for pipelining.</a:t>
+            </a:r>
+          </a:p>
+          <a:p>
+            <a:pPr lvl="0"/>
+            <a:r>
+              <a:rPr lang="en-US" sz="3400" dirty="0"/>
+              <a:t>It supports register to use in any context.</a:t>
+            </a:r>
+          </a:p>
+          <a:p>
+            <a:pPr lvl="0"/>
+            <a:r>
+              <a:rPr lang="en-US" sz="3400" dirty="0"/>
+              <a:t>One cycle execution time.</a:t>
+            </a:r>
+          </a:p>
+          <a:p>
+            <a:pPr lvl="0"/>
+            <a:r>
+              <a:rPr lang="en-US" sz="3400" dirty="0"/>
+              <a:t>“LOAD” and “STORE” instructions are used to access the memory location.</a:t>
+            </a:r>
+          </a:p>
+          <a:p>
+            <a:pPr lvl="0"/>
+            <a:r>
+              <a:rPr lang="en-US" sz="3400" dirty="0"/>
+              <a:t>It consists of larger number of registers.</a:t>
+            </a:r>
+          </a:p>
+          <a:p>
+            <a:pPr lvl="0"/>
+            <a:r>
+              <a:rPr lang="en-US" sz="3400" dirty="0"/>
+              <a:t>It consists of less number of transistors.</a:t>
+            </a:r>
+          </a:p>
+        </p:txBody>
+      </p:sp>
     </p:spTree>
     <p:extLst>
       <p:ext uri="{BB962C8B-B14F-4D97-AF65-F5344CB8AC3E}">
-        <p14:creationId xmlns:p14="http://schemas.microsoft.com/office/powerpoint/2010/main" val="1528681447"/>
+        <p14:creationId xmlns:p14="http://schemas.microsoft.com/office/powerpoint/2010/main" val="1144671383"/>
       </p:ext>
     </p:extLst>
   </p:cSld>
@@ -4526,7 +4572,7 @@
                   </a:schemeClr>
                 </a:solidFill>
               </a:rPr>
-              <a:t>Characteristics of RISC</a:t>
+              <a:t>CISC Processor</a:t>
             </a:r>
             <a:endParaRPr lang="en-US" b="1" dirty="0">
               <a:solidFill>
@@ -4550,69 +4596,60 @@
         </p:nvSpPr>
         <p:spPr>
           <a:xfrm>
-            <a:off x="838200" y="1175657"/>
-            <a:ext cx="10918371" cy="4775200"/>
+            <a:off x="838200" y="1476104"/>
+            <a:ext cx="10515600" cy="5184185"/>
           </a:xfrm>
         </p:spPr>
         <p:txBody>
           <a:bodyPr>
-            <a:noAutofit/>
+            <a:normAutofit/>
           </a:bodyPr>
           <a:lstStyle/>
           <a:p>
-            <a:pPr lvl="0"/>
-            <a:r>
-              <a:rPr lang="en-US" sz="3400" dirty="0"/>
-              <a:t>It consists of simple instructions.</a:t>
-            </a:r>
-          </a:p>
-          <a:p>
-            <a:pPr lvl="0"/>
-            <a:r>
-              <a:rPr lang="en-US" sz="3400" dirty="0"/>
-              <a:t>It supports various data-type formats.</a:t>
-            </a:r>
-          </a:p>
-          <a:p>
-            <a:pPr lvl="0"/>
-            <a:r>
-              <a:rPr lang="en-US" sz="3400" dirty="0"/>
-              <a:t>It utilizes simple addressing modes and fixed length instructions for pipelining.</a:t>
-            </a:r>
-          </a:p>
-          <a:p>
-            <a:pPr lvl="0"/>
-            <a:r>
-              <a:rPr lang="en-US" sz="3400" dirty="0"/>
-              <a:t>It supports register to use in any context.</a:t>
-            </a:r>
-          </a:p>
-          <a:p>
-            <a:pPr lvl="0"/>
-            <a:r>
-              <a:rPr lang="en-US" sz="3400" dirty="0"/>
-              <a:t>One cycle execution time.</a:t>
-            </a:r>
-          </a:p>
-          <a:p>
-            <a:pPr lvl="0"/>
-            <a:r>
-              <a:rPr lang="en-US" sz="3400" dirty="0"/>
-              <a:t>“LOAD” and “STORE” instructions are used to access the memory location.</a:t>
-            </a:r>
-          </a:p>
-          <a:p>
-            <a:pPr lvl="0"/>
-            <a:r>
-              <a:rPr lang="en-US" sz="3400" dirty="0"/>
-              <a:t>It consists of larger number of registers.</a:t>
-            </a:r>
-          </a:p>
-          <a:p>
-            <a:pPr lvl="0"/>
-            <a:r>
-              <a:rPr lang="en-US" sz="3400" dirty="0"/>
-              <a:t>It consists of less number of transistors.</a:t>
+            <a:r>
+              <a:rPr lang="en-US" dirty="0"/>
+              <a:t>CISC stands for </a:t>
+            </a:r>
+            <a:r>
+              <a:rPr lang="en-US" b="1" dirty="0"/>
+              <a:t>Complex Instruction Set Computer</a:t>
+            </a:r>
+            <a:r>
+              <a:rPr lang="en-US" dirty="0"/>
+              <a:t>. It is designed to minimize the number of instructions per program, ignoring the number of cycles per instruction. The emphasis is on building complex instructions directly into the hardware.</a:t>
+            </a:r>
+          </a:p>
+          <a:p>
+            <a:r>
+              <a:rPr lang="en-US" dirty="0"/>
+              <a:t>The compiler has to do very little work to translate a high-level language into assembly level language/machine code because the length of the code is relatively short, so very little RAM is required to store the instructions.</a:t>
+            </a:r>
+          </a:p>
+          <a:p>
+            <a:r>
+              <a:rPr lang="en-US" dirty="0"/>
+              <a:t>Some of the CISC Processors are −</a:t>
+            </a:r>
+          </a:p>
+          <a:p>
+            <a:pPr lvl="1"/>
+            <a:r>
+              <a:rPr lang="en-US" dirty="0"/>
+              <a:t>IBM 370/168</a:t>
+            </a:r>
+          </a:p>
+          <a:p>
+            <a:pPr lvl="1"/>
+            <a:r>
+              <a:rPr lang="en-US" dirty="0"/>
+              <a:t>VAX 11/780</a:t>
+            </a:r>
+          </a:p>
+          <a:p>
+            <a:pPr lvl="1"/>
+            <a:r>
+              <a:rPr lang="en-US" dirty="0"/>
+              <a:t>Intel 80486</a:t>
             </a:r>
           </a:p>
         </p:txBody>
@@ -4620,7 +4657,7 @@
     </p:spTree>
     <p:extLst>
       <p:ext uri="{BB962C8B-B14F-4D97-AF65-F5344CB8AC3E}">
-        <p14:creationId xmlns:p14="http://schemas.microsoft.com/office/powerpoint/2010/main" val="1144671383"/>
+        <p14:creationId xmlns:p14="http://schemas.microsoft.com/office/powerpoint/2010/main" val="3663241815"/>
       </p:ext>
     </p:extLst>
   </p:cSld>
@@ -4689,6 +4726,16 @@
           <a:lstStyle/>
           <a:p>
             <a:r>
+              <a:rPr lang="en-US" b="1" dirty="0">
+                <a:solidFill>
+                  <a:schemeClr val="accent1">
+                    <a:lumMod val="50000"/>
+                  </a:schemeClr>
+                </a:solidFill>
+              </a:rPr>
+              <a:t>Architecture of </a:t>
+            </a:r>
+            <a:r>
               <a:rPr lang="en-US" b="1" dirty="0" smtClean="0">
                 <a:solidFill>
                   <a:schemeClr val="accent1">
@@ -4696,7 +4743,7 @@
                   </a:schemeClr>
                 </a:solidFill>
               </a:rPr>
-              <a:t>CISC Processor</a:t>
+              <a:t>CISC</a:t>
             </a:r>
             <a:endParaRPr lang="en-US" b="1" dirty="0">
               <a:solidFill>
@@ -4708,80 +4755,40 @@
           </a:p>
         </p:txBody>
       </p:sp>
-      <p:sp>
-        <p:nvSpPr>
-          <p:cNvPr id="3" name="Content Placeholder 2"/>
-          <p:cNvSpPr>
-            <a:spLocks noGrp="1"/>
-          </p:cNvSpPr>
-          <p:nvPr>
-            <p:ph idx="1"/>
-          </p:nvPr>
-        </p:nvSpPr>
-        <p:spPr>
-          <a:xfrm>
-            <a:off x="838200" y="1476104"/>
-            <a:ext cx="10515600" cy="5184185"/>
-          </a:xfrm>
-        </p:spPr>
-        <p:txBody>
-          <a:bodyPr>
-            <a:normAutofit/>
-          </a:bodyPr>
-          <a:lstStyle/>
-          <a:p>
-            <a:r>
-              <a:rPr lang="en-US" dirty="0"/>
-              <a:t>CISC stands for </a:t>
-            </a:r>
-            <a:r>
-              <a:rPr lang="en-US" b="1" dirty="0"/>
-              <a:t>Complex Instruction Set Computer</a:t>
-            </a:r>
-            <a:r>
-              <a:rPr lang="en-US" dirty="0"/>
-              <a:t>. It is designed to minimize the number of instructions per program, ignoring the number of cycles per instruction. The emphasis is on building complex instructions directly into the hardware.</a:t>
-            </a:r>
-          </a:p>
-          <a:p>
-            <a:r>
-              <a:rPr lang="en-US" dirty="0"/>
-              <a:t>The compiler has to do very little work to translate a high-level language into assembly level language/machine code because the length of the code is relatively short, so very little RAM is required to store the instructions.</a:t>
-            </a:r>
-          </a:p>
-          <a:p>
-            <a:r>
-              <a:rPr lang="en-US" dirty="0"/>
-              <a:t>Some of the CISC Processors are −</a:t>
-            </a:r>
-          </a:p>
-          <a:p>
-            <a:pPr lvl="1"/>
-            <a:r>
-              <a:rPr lang="en-US" dirty="0"/>
-              <a:t>IBM 370/168</a:t>
-            </a:r>
-          </a:p>
-          <a:p>
-            <a:pPr lvl="1"/>
-            <a:r>
-              <a:rPr lang="en-US" dirty="0"/>
-              <a:t>VAX 11/780</a:t>
-            </a:r>
-          </a:p>
-          <a:p>
-            <a:pPr lvl="1"/>
-            <a:r>
-              <a:rPr lang="en-US" dirty="0"/>
-              <a:t>Intel 80486</a:t>
-            </a:r>
-          </a:p>
-        </p:txBody>
-      </p:sp>
+      <p:pic>
+        <p:nvPicPr>
+          <p:cNvPr id="4" name="Picture 3" descr="Architecture of CISC"/>
+          <p:cNvPicPr/>
+          <p:nvPr/>
+        </p:nvPicPr>
+        <p:blipFill>
+          <a:blip r:embed="rId3"/>
+          <a:srcRect/>
+          <a:stretch>
+            <a:fillRect/>
+          </a:stretch>
+        </p:blipFill>
+        <p:spPr bwMode="auto">
+          <a:xfrm>
+            <a:off x="2177143" y="1714499"/>
+            <a:ext cx="7518400" cy="4439557"/>
+          </a:xfrm>
+          <a:prstGeom prst="rect">
+            <a:avLst/>
+          </a:prstGeom>
+          <a:noFill/>
+          <a:ln w="9525">
+            <a:noFill/>
+            <a:miter lim="800000"/>
+            <a:headEnd/>
+            <a:tailEnd/>
+          </a:ln>
+        </p:spPr>
+      </p:pic>
     </p:spTree>
     <p:extLst>
       <p:ext uri="{BB962C8B-B14F-4D97-AF65-F5344CB8AC3E}">
-        <p14:creationId xmlns:p14="http://schemas.microsoft.com/office/powerpoint/2010/main" val="3663241815"/>
+        <p14:creationId xmlns:p14="http://schemas.microsoft.com/office/powerpoint/2010/main" val="475297360"/>
       </p:ext>
     </p:extLst>
   </p:cSld>
@@ -4857,7 +4864,7 @@
                   </a:schemeClr>
                 </a:solidFill>
               </a:rPr>
-              <a:t>Architecture of </a:t>
+              <a:t>Characteristics of </a:t>
             </a:r>
             <a:r>
               <a:rPr lang="en-US" b="1" dirty="0" smtClean="0">
@@ -4879,40 +4886,75 @@
           </a:p>
         </p:txBody>
       </p:sp>
-      <p:pic>
-        <p:nvPicPr>
-          <p:cNvPr id="4" name="Picture 3" descr="Architecture of CISC"/>
-          <p:cNvPicPr/>
-          <p:nvPr/>
-        </p:nvPicPr>
-        <p:blipFill>
-          <a:blip r:embed="rId3"/>
-          <a:srcRect/>
-          <a:stretch>
-            <a:fillRect/>
-          </a:stretch>
-        </p:blipFill>
-        <p:spPr bwMode="auto">
-          <a:xfrm>
-            <a:off x="2177143" y="1714499"/>
-            <a:ext cx="7518400" cy="4439557"/>
-          </a:xfrm>
-          <a:prstGeom prst="rect">
-            <a:avLst/>
-          </a:prstGeom>
-          <a:noFill/>
-          <a:ln w="9525">
-            <a:noFill/>
-            <a:miter lim="800000"/>
-            <a:headEnd/>
-            <a:tailEnd/>
-          </a:ln>
-        </p:spPr>
-      </p:pic>
+      <p:sp>
+        <p:nvSpPr>
+          <p:cNvPr id="3" name="Content Placeholder 2"/>
+          <p:cNvSpPr>
+            <a:spLocks noGrp="1"/>
+          </p:cNvSpPr>
+          <p:nvPr>
+            <p:ph idx="1"/>
+          </p:nvPr>
+        </p:nvSpPr>
+        <p:spPr>
+          <a:xfrm>
+            <a:off x="838200" y="1509486"/>
+            <a:ext cx="10918371" cy="4775200"/>
+          </a:xfrm>
+        </p:spPr>
+        <p:txBody>
+          <a:bodyPr>
+            <a:noAutofit/>
+          </a:bodyPr>
+          <a:lstStyle/>
+          <a:p>
+            <a:pPr lvl="0"/>
+            <a:r>
+              <a:rPr lang="en-US" sz="3600" dirty="0"/>
+              <a:t>Variety of addressing modes.</a:t>
+            </a:r>
+          </a:p>
+          <a:p>
+            <a:pPr lvl="0"/>
+            <a:r>
+              <a:rPr lang="en-US" sz="3600" dirty="0"/>
+              <a:t>Larger number of instructions.</a:t>
+            </a:r>
+          </a:p>
+          <a:p>
+            <a:pPr lvl="0"/>
+            <a:r>
+              <a:rPr lang="en-US" sz="3600" dirty="0"/>
+              <a:t>Variable length of instruction formats.</a:t>
+            </a:r>
+          </a:p>
+          <a:p>
+            <a:pPr lvl="0"/>
+            <a:r>
+              <a:rPr lang="en-US" sz="3600" dirty="0"/>
+              <a:t>Several cycles may be required to execute one instruction.</a:t>
+            </a:r>
+          </a:p>
+          <a:p>
+            <a:pPr lvl="0"/>
+            <a:r>
+              <a:rPr lang="en-US" sz="3600" dirty="0"/>
+              <a:t>Instruction-decoding logic is complex.</a:t>
+            </a:r>
+          </a:p>
+          <a:p>
+            <a:pPr lvl="0"/>
+            <a:r>
+              <a:rPr lang="en-US" sz="3600" dirty="0"/>
+              <a:t>One instruction is required to support multiple addressing modes.</a:t>
+            </a:r>
+          </a:p>
+        </p:txBody>
+      </p:sp>
     </p:spTree>
     <p:extLst>
       <p:ext uri="{BB962C8B-B14F-4D97-AF65-F5344CB8AC3E}">
-        <p14:creationId xmlns:p14="http://schemas.microsoft.com/office/powerpoint/2010/main" val="475297360"/>
+        <p14:creationId xmlns:p14="http://schemas.microsoft.com/office/powerpoint/2010/main" val="3121916510"/>
       </p:ext>
     </p:extLst>
   </p:cSld>
@@ -4981,16 +5023,6 @@
           <a:lstStyle/>
           <a:p>
             <a:r>
-              <a:rPr lang="en-US" b="1" dirty="0">
-                <a:solidFill>
-                  <a:schemeClr val="accent1">
-                    <a:lumMod val="50000"/>
-                  </a:schemeClr>
-                </a:solidFill>
-              </a:rPr>
-              <a:t>Characteristics of </a:t>
-            </a:r>
-            <a:r>
               <a:rPr lang="en-US" b="1" dirty="0" smtClean="0">
                 <a:solidFill>
                   <a:schemeClr val="accent1">
@@ -4998,7 +5030,7 @@
                   </a:schemeClr>
                 </a:solidFill>
               </a:rPr>
-              <a:t>CISC</a:t>
+              <a:t>Special Processors</a:t>
             </a:r>
             <a:endParaRPr lang="en-US" b="1" dirty="0">
               <a:solidFill>
@@ -5032,53 +5064,71 @@
           </a:bodyPr>
           <a:lstStyle/>
           <a:p>
+            <a:pPr marL="0" indent="0">
+              <a:buNone/>
+            </a:pPr>
+            <a:r>
+              <a:rPr lang="en-US" sz="3200" b="1" dirty="0"/>
+              <a:t>Coprocessor</a:t>
+            </a:r>
+            <a:endParaRPr lang="en-US" sz="3200" dirty="0"/>
+          </a:p>
+          <a:p>
+            <a:r>
+              <a:rPr lang="en-US" sz="3200" dirty="0"/>
+              <a:t>A coprocessor is a specially designed microprocessor, which can handle its particular function many times faster than the ordinary microprocessor.</a:t>
+            </a:r>
+          </a:p>
+          <a:p>
+            <a:r>
+              <a:rPr lang="en-US" sz="3200" b="1" dirty="0"/>
+              <a:t>For example</a:t>
+            </a:r>
+            <a:r>
+              <a:rPr lang="en-US" sz="3200" dirty="0"/>
+              <a:t> − Math Coprocessor.</a:t>
+            </a:r>
+          </a:p>
+          <a:p>
+            <a:pPr marL="0" indent="0">
+              <a:buNone/>
+            </a:pPr>
+            <a:r>
+              <a:rPr lang="en-US" sz="3200" dirty="0"/>
+              <a:t>Some Intel math-coprocessors are −</a:t>
+            </a:r>
+          </a:p>
+          <a:p>
+            <a:pPr lvl="1"/>
+            <a:r>
+              <a:rPr lang="en-US" dirty="0"/>
+              <a:t>8087-used with 8086</a:t>
+            </a:r>
+          </a:p>
+          <a:p>
+            <a:pPr lvl="1"/>
+            <a:r>
+              <a:rPr lang="en-US" dirty="0"/>
+              <a:t>80287-used with 80286</a:t>
+            </a:r>
+          </a:p>
+          <a:p>
+            <a:pPr lvl="1"/>
+            <a:r>
+              <a:rPr lang="en-US" dirty="0"/>
+              <a:t>80387-used with 80386</a:t>
+            </a:r>
+          </a:p>
+          <a:p>
             <a:pPr lvl="0"/>
-            <a:r>
-              <a:rPr lang="en-US" sz="3600" dirty="0"/>
-              <a:t>Variety of addressing modes.</a:t>
-            </a:r>
-          </a:p>
-          <a:p>
-            <a:pPr lvl="0"/>
-            <a:r>
-              <a:rPr lang="en-US" sz="3600" dirty="0"/>
-              <a:t>Larger number of instructions.</a:t>
-            </a:r>
-          </a:p>
-          <a:p>
-            <a:pPr lvl="0"/>
-            <a:r>
-              <a:rPr lang="en-US" sz="3600" dirty="0"/>
-              <a:t>Variable length of instruction formats.</a:t>
-            </a:r>
-          </a:p>
-          <a:p>
-            <a:pPr lvl="0"/>
-            <a:r>
-              <a:rPr lang="en-US" sz="3600" dirty="0"/>
-              <a:t>Several cycles may be required to execute one instruction.</a:t>
-            </a:r>
-          </a:p>
-          <a:p>
-            <a:pPr lvl="0"/>
-            <a:r>
-              <a:rPr lang="en-US" sz="3600" dirty="0"/>
-              <a:t>Instruction-decoding logic is complex.</a:t>
-            </a:r>
-          </a:p>
-          <a:p>
-            <a:pPr lvl="0"/>
-            <a:r>
-              <a:rPr lang="en-US" sz="3600" dirty="0"/>
-              <a:t>One instruction is required to support multiple addressing modes.</a:t>
-            </a:r>
+            <a:endParaRPr lang="en-US" sz="3600" dirty="0"/>
           </a:p>
         </p:txBody>
       </p:sp>
     </p:spTree>
     <p:extLst>
       <p:ext uri="{BB962C8B-B14F-4D97-AF65-F5344CB8AC3E}">
-        <p14:creationId xmlns:p14="http://schemas.microsoft.com/office/powerpoint/2010/main" val="3121916510"/>
+        <p14:creationId xmlns:p14="http://schemas.microsoft.com/office/powerpoint/2010/main" val="734118499"/>
       </p:ext>
     </p:extLst>
   </p:cSld>
@@ -5192,15 +5242,19 @@
               <a:buNone/>
             </a:pPr>
             <a:r>
+              <a:rPr lang="en-US" sz="3200" b="1" dirty="0" err="1"/>
+              <a:t>Input/Output</a:t>
+            </a:r>
+            <a:r>
               <a:rPr lang="en-US" sz="3200" b="1" dirty="0"/>
-              <a:t>Coprocessor</a:t>
+              <a:t> Processor</a:t>
             </a:r>
             <a:endParaRPr lang="en-US" sz="3200" dirty="0"/>
           </a:p>
           <a:p>
             <a:r>
               <a:rPr lang="en-US" sz="3200" dirty="0"/>
-              <a:t>A coprocessor is a specially designed microprocessor, which can handle its particular function many times faster than the ordinary microprocessor.</a:t>
+              <a:t>It is a specially designed microprocessor having a local memory of its own, which is used to control I/O devices with minimum CPU involvement.</a:t>
             </a:r>
           </a:p>
           <a:p>
@@ -5210,49 +5264,43 @@
             </a:r>
             <a:r>
               <a:rPr lang="en-US" sz="3200" dirty="0"/>
-              <a:t> − Math Coprocessor.</a:t>
-            </a:r>
-          </a:p>
-          <a:p>
-            <a:pPr marL="0" indent="0">
-              <a:buNone/>
-            </a:pPr>
-            <a:r>
-              <a:rPr lang="en-US" sz="3200" dirty="0"/>
-              <a:t>Some Intel math-coprocessors are −</a:t>
+              <a:t> −</a:t>
             </a:r>
           </a:p>
           <a:p>
             <a:pPr lvl="1"/>
             <a:r>
               <a:rPr lang="en-US" dirty="0"/>
-              <a:t>8087-used with 8086</a:t>
+              <a:t>DMA (direct Memory Access) controller</a:t>
             </a:r>
           </a:p>
           <a:p>
             <a:pPr lvl="1"/>
             <a:r>
               <a:rPr lang="en-US" dirty="0"/>
-              <a:t>80287-used with 80286</a:t>
+              <a:t>Keyboard/mouse controller</a:t>
             </a:r>
           </a:p>
           <a:p>
             <a:pPr lvl="1"/>
             <a:r>
               <a:rPr lang="en-US" dirty="0"/>
-              <a:t>80387-used with 80386</a:t>
-            </a:r>
-          </a:p>
-          <a:p>
-            <a:pPr lvl="0"/>
-            <a:endParaRPr lang="en-US" sz="3600" dirty="0"/>
+              <a:t>Graphic display controller</a:t>
+            </a:r>
+          </a:p>
+          <a:p>
+            <a:pPr lvl="1"/>
+            <a:r>
+              <a:rPr lang="en-US" dirty="0"/>
+              <a:t>SCSI port controller</a:t>
+            </a:r>
           </a:p>
         </p:txBody>
       </p:sp>
     </p:spTree>
     <p:extLst>
       <p:ext uri="{BB962C8B-B14F-4D97-AF65-F5344CB8AC3E}">
-        <p14:creationId xmlns:p14="http://schemas.microsoft.com/office/powerpoint/2010/main" val="734118499"/>
+        <p14:creationId xmlns:p14="http://schemas.microsoft.com/office/powerpoint/2010/main" val="566230666"/>
       </p:ext>
     </p:extLst>
   </p:cSld>
@@ -5321,22 +5369,15 @@
           <a:lstStyle/>
           <a:p>
             <a:r>
-              <a:rPr lang="en-US" b="1" dirty="0" smtClean="0">
+              <a:rPr lang="en-US" b="1" dirty="0">
                 <a:solidFill>
                   <a:schemeClr val="accent1">
                     <a:lumMod val="50000"/>
                   </a:schemeClr>
                 </a:solidFill>
               </a:rPr>
-              <a:t>Special Processors</a:t>
-            </a:r>
-            <a:endParaRPr lang="en-US" b="1" dirty="0">
-              <a:solidFill>
-                <a:schemeClr val="accent1">
-                  <a:lumMod val="50000"/>
-                </a:schemeClr>
-              </a:solidFill>
-            </a:endParaRPr>
+              <a:t>Applications of RISC and CISC</a:t>
+            </a:r>
           </a:p>
         </p:txBody>
       </p:sp>
@@ -5362,61 +5403,24 @@
           </a:bodyPr>
           <a:lstStyle/>
           <a:p>
-            <a:pPr marL="0" indent="0">
-              <a:buNone/>
-            </a:pPr>
-            <a:r>
-              <a:rPr lang="en-US" sz="3200" b="1" dirty="0" err="1"/>
-              <a:t>Input/Output</a:t>
-            </a:r>
-            <a:r>
-              <a:rPr lang="en-US" sz="3200" b="1" dirty="0"/>
-              <a:t> Processor</a:t>
-            </a:r>
-            <a:endParaRPr lang="en-US" sz="3200" dirty="0"/>
-          </a:p>
-          <a:p>
+            <a:r>
+              <a:rPr lang="en-US" sz="3200" dirty="0" smtClean="0"/>
+              <a:t>RISC </a:t>
+            </a:r>
             <a:r>
               <a:rPr lang="en-US" sz="3200" dirty="0"/>
-              <a:t>It is a specially designed microprocessor having a local memory of its own, which is used to control I/O devices with minimum CPU involvement.</a:t>
-            </a:r>
-          </a:p>
-          <a:p>
-            <a:r>
-              <a:rPr lang="en-US" sz="3200" b="1" dirty="0"/>
-              <a:t>For example</a:t>
+              <a:t>is used in high-end applications like video processing, telecommunications and image processing. </a:t>
+            </a:r>
+            <a:endParaRPr lang="en-US" sz="3200" dirty="0" smtClean="0"/>
+          </a:p>
+          <a:p>
+            <a:r>
+              <a:rPr lang="en-US" sz="3200" dirty="0" smtClean="0"/>
+              <a:t>CISC </a:t>
             </a:r>
             <a:r>
               <a:rPr lang="en-US" sz="3200" dirty="0"/>
-              <a:t> −</a:t>
-            </a:r>
-          </a:p>
-          <a:p>
-            <a:pPr lvl="1"/>
-            <a:r>
-              <a:rPr lang="en-US" dirty="0"/>
-              <a:t>DMA (direct Memory Access) controller</a:t>
-            </a:r>
-          </a:p>
-          <a:p>
-            <a:pPr lvl="1"/>
-            <a:r>
-              <a:rPr lang="en-US" dirty="0"/>
-              <a:t>Keyboard/mouse controller</a:t>
-            </a:r>
-          </a:p>
-          <a:p>
-            <a:pPr lvl="1"/>
-            <a:r>
-              <a:rPr lang="en-US" dirty="0"/>
-              <a:t>Graphic display controller</a:t>
-            </a:r>
-          </a:p>
-          <a:p>
-            <a:pPr lvl="1"/>
-            <a:r>
-              <a:rPr lang="en-US" dirty="0"/>
-              <a:t>SCSI port controller</a:t>
+              <a:t>is used in low-end applications such as security systems, home automation, etc.</a:t>
             </a:r>
           </a:p>
         </p:txBody>
@@ -5424,7 +5428,7 @@
     </p:spTree>
     <p:extLst>
       <p:ext uri="{BB962C8B-B14F-4D97-AF65-F5344CB8AC3E}">
-        <p14:creationId xmlns:p14="http://schemas.microsoft.com/office/powerpoint/2010/main" val="566230666"/>
+        <p14:creationId xmlns:p14="http://schemas.microsoft.com/office/powerpoint/2010/main" val="195874678"/>
       </p:ext>
     </p:extLst>
   </p:cSld>
@@ -5500,59 +5504,59 @@
                   </a:schemeClr>
                 </a:solidFill>
               </a:rPr>
-              <a:t>Applications of RISC and CISC</a:t>
-            </a:r>
-          </a:p>
-        </p:txBody>
-      </p:sp>
-      <p:sp>
-        <p:nvSpPr>
-          <p:cNvPr id="3" name="Content Placeholder 2"/>
-          <p:cNvSpPr>
-            <a:spLocks noGrp="1"/>
-          </p:cNvSpPr>
-          <p:nvPr>
-            <p:ph idx="1"/>
-          </p:nvPr>
-        </p:nvSpPr>
+              <a:t>CISC </a:t>
+            </a:r>
+            <a:r>
+              <a:rPr lang="en-US" b="1" dirty="0" err="1">
+                <a:solidFill>
+                  <a:schemeClr val="accent1">
+                    <a:lumMod val="50000"/>
+                  </a:schemeClr>
+                </a:solidFill>
+              </a:rPr>
+              <a:t>vs</a:t>
+            </a:r>
+            <a:r>
+              <a:rPr lang="en-US" b="1" dirty="0">
+                <a:solidFill>
+                  <a:schemeClr val="accent1">
+                    <a:lumMod val="50000"/>
+                  </a:schemeClr>
+                </a:solidFill>
+              </a:rPr>
+              <a:t> RISC</a:t>
+            </a:r>
+          </a:p>
+        </p:txBody>
+      </p:sp>
+      <p:pic>
+        <p:nvPicPr>
+          <p:cNvPr id="3" name="Picture 2"/>
+          <p:cNvPicPr>
+            <a:picLocks noChangeAspect="1"/>
+          </p:cNvPicPr>
+          <p:nvPr/>
+        </p:nvPicPr>
+        <p:blipFill>
+          <a:blip r:embed="rId2"/>
+          <a:stretch>
+            <a:fillRect/>
+          </a:stretch>
+        </p:blipFill>
         <p:spPr>
           <a:xfrm>
-            <a:off x="838200" y="1509486"/>
-            <a:ext cx="10918371" cy="4775200"/>
-          </a:xfrm>
-        </p:spPr>
-        <p:txBody>
-          <a:bodyPr>
-            <a:noAutofit/>
-          </a:bodyPr>
-          <a:lstStyle/>
-          <a:p>
-            <a:r>
-              <a:rPr lang="en-US" sz="3200" dirty="0" smtClean="0"/>
-              <a:t>RISC </a:t>
-            </a:r>
-            <a:r>
-              <a:rPr lang="en-US" sz="3200" dirty="0"/>
-              <a:t>is used in high-end applications like video processing, telecommunications and image processing. </a:t>
-            </a:r>
-            <a:endParaRPr lang="en-US" sz="3200" dirty="0" smtClean="0"/>
-          </a:p>
-          <a:p>
-            <a:r>
-              <a:rPr lang="en-US" sz="3200" dirty="0" smtClean="0"/>
-              <a:t>CISC </a:t>
-            </a:r>
-            <a:r>
-              <a:rPr lang="en-US" sz="3200" dirty="0"/>
-              <a:t>is used in low-end applications such as security systems, home automation, etc.</a:t>
-            </a:r>
-          </a:p>
-        </p:txBody>
-      </p:sp>
+            <a:off x="838201" y="1123122"/>
+            <a:ext cx="7749208" cy="5377004"/>
+          </a:xfrm>
+          <a:prstGeom prst="rect">
+            <a:avLst/>
+          </a:prstGeom>
+        </p:spPr>
+      </p:pic>
     </p:spTree>
     <p:extLst>
       <p:ext uri="{BB962C8B-B14F-4D97-AF65-F5344CB8AC3E}">
-        <p14:creationId xmlns:p14="http://schemas.microsoft.com/office/powerpoint/2010/main" val="195874678"/>
+        <p14:creationId xmlns:p14="http://schemas.microsoft.com/office/powerpoint/2010/main" val="2120087703"/>
       </p:ext>
     </p:extLst>
   </p:cSld>
@@ -5896,7 +5900,7 @@
       </p:sp>
       <p:pic>
         <p:nvPicPr>
-          <p:cNvPr id="3" name="Picture 2"/>
+          <p:cNvPr id="4" name="Picture 3"/>
           <p:cNvPicPr>
             <a:picLocks noChangeAspect="1"/>
           </p:cNvPicPr>
@@ -5910,8 +5914,8 @@
         </p:blipFill>
         <p:spPr>
           <a:xfrm>
-            <a:off x="838201" y="1123122"/>
-            <a:ext cx="7749208" cy="5377004"/>
+            <a:off x="993913" y="1329972"/>
+            <a:ext cx="8587409" cy="4953429"/>
           </a:xfrm>
           <a:prstGeom prst="rect">
             <a:avLst/>
@@ -5921,7 +5925,7 @@
     </p:spTree>
     <p:extLst>
       <p:ext uri="{BB962C8B-B14F-4D97-AF65-F5344CB8AC3E}">
-        <p14:creationId xmlns:p14="http://schemas.microsoft.com/office/powerpoint/2010/main" val="2120087703"/>
+        <p14:creationId xmlns:p14="http://schemas.microsoft.com/office/powerpoint/2010/main" val="1857561810"/>
       </p:ext>
     </p:extLst>
   </p:cSld>
@@ -6024,32 +6028,38 @@
       </p:sp>
       <p:pic>
         <p:nvPicPr>
-          <p:cNvPr id="4" name="Picture 3"/>
-          <p:cNvPicPr>
-            <a:picLocks noChangeAspect="1"/>
-          </p:cNvPicPr>
+          <p:cNvPr id="5" name="Picture 4" descr="Image result for risc vs cisc in tabular form"/>
+          <p:cNvPicPr/>
           <p:nvPr/>
         </p:nvPicPr>
         <p:blipFill>
           <a:blip r:embed="rId2"/>
+          <a:srcRect/>
           <a:stretch>
             <a:fillRect/>
           </a:stretch>
         </p:blipFill>
-        <p:spPr>
-          <a:xfrm>
-            <a:off x="993913" y="1329972"/>
-            <a:ext cx="8587409" cy="4953429"/>
+        <p:spPr bwMode="auto">
+          <a:xfrm>
+            <a:off x="838200" y="1380218"/>
+            <a:ext cx="10515600" cy="4498068"/>
           </a:xfrm>
           <a:prstGeom prst="rect">
             <a:avLst/>
           </a:prstGeom>
+          <a:noFill/>
+          <a:ln w="9525">
+            <a:noFill/>
+            <a:miter lim="800000"/>
+            <a:headEnd/>
+            <a:tailEnd/>
+          </a:ln>
         </p:spPr>
       </p:pic>
     </p:spTree>
     <p:extLst>
       <p:ext uri="{BB962C8B-B14F-4D97-AF65-F5344CB8AC3E}">
-        <p14:creationId xmlns:p14="http://schemas.microsoft.com/office/powerpoint/2010/main" val="1857561810"/>
+        <p14:creationId xmlns:p14="http://schemas.microsoft.com/office/powerpoint/2010/main" val="1023247523"/>
       </p:ext>
     </p:extLst>
   </p:cSld>
@@ -6085,7 +6095,55 @@
       </p:grpSpPr>
       <p:sp>
         <p:nvSpPr>
-          <p:cNvPr id="2" name="Title 1"/>
+          <p:cNvPr id="3" name="Content Placeholder 2"/>
+          <p:cNvSpPr>
+            <a:spLocks noGrp="1"/>
+          </p:cNvSpPr>
+          <p:nvPr>
+            <p:ph idx="1"/>
+          </p:nvPr>
+        </p:nvSpPr>
+        <p:spPr>
+          <a:xfrm>
+            <a:off x="838200" y="1542274"/>
+            <a:ext cx="5126665" cy="4263103"/>
+          </a:xfrm>
+        </p:spPr>
+        <p:txBody>
+          <a:bodyPr>
+            <a:normAutofit/>
+          </a:bodyPr>
+          <a:lstStyle/>
+          <a:p>
+            <a:pPr algn="just"/>
+            <a:r>
+              <a:rPr lang="en-US" sz="2400" dirty="0"/>
+              <a:t>A multi-core processor is an integrated circuit that combines two or more processors to execute numerous tasks at once, </a:t>
+            </a:r>
+            <a:r>
+              <a:rPr lang="en-US" sz="2400" dirty="0" err="1"/>
+              <a:t>minimise</a:t>
+            </a:r>
+            <a:r>
+              <a:rPr lang="en-US" sz="2400" dirty="0"/>
+              <a:t> power consumption, and boost performance. It has multiple instructions, which means that various cores run different threads that access different regions of memory</a:t>
+            </a:r>
+            <a:r>
+              <a:rPr lang="en-US" sz="2400" dirty="0" smtClean="0"/>
+              <a:t>.</a:t>
+            </a:r>
+          </a:p>
+          <a:p>
+            <a:pPr marL="0" indent="0" algn="just">
+              <a:buNone/>
+            </a:pPr>
+            <a:endParaRPr lang="en-US" sz="2000" dirty="0"/>
+          </a:p>
+        </p:txBody>
+      </p:sp>
+      <p:sp>
+        <p:nvSpPr>
+          <p:cNvPr id="4" name="Title 1"/>
           <p:cNvSpPr>
             <a:spLocks noGrp="1"/>
           </p:cNvSpPr>
@@ -6095,8 +6153,8 @@
         </p:nvSpPr>
         <p:spPr>
           <a:xfrm>
-            <a:off x="838200" y="365126"/>
-            <a:ext cx="10515600" cy="627652"/>
+            <a:off x="838200" y="365125"/>
+            <a:ext cx="10515600" cy="655601"/>
           </a:xfrm>
           <a:solidFill>
             <a:schemeClr val="bg1">
@@ -6118,85 +6176,65 @@
           <a:lstStyle/>
           <a:p>
             <a:r>
-              <a:rPr lang="en-US" b="1" dirty="0">
+              <a:rPr lang="en-US" b="1" dirty="0" smtClean="0">
                 <a:solidFill>
                   <a:schemeClr val="accent1">
                     <a:lumMod val="50000"/>
                   </a:schemeClr>
                 </a:solidFill>
               </a:rPr>
-              <a:t>CISC </a:t>
-            </a:r>
-            <a:r>
-              <a:rPr lang="en-US" b="1" dirty="0" err="1">
-                <a:solidFill>
-                  <a:schemeClr val="accent1">
-                    <a:lumMod val="50000"/>
-                  </a:schemeClr>
-                </a:solidFill>
-              </a:rPr>
-              <a:t>vs</a:t>
-            </a:r>
-            <a:r>
-              <a:rPr lang="en-US" b="1" dirty="0">
-                <a:solidFill>
-                  <a:schemeClr val="accent1">
-                    <a:lumMod val="50000"/>
-                  </a:schemeClr>
-                </a:solidFill>
-              </a:rPr>
-              <a:t> RISC</a:t>
-            </a:r>
+              <a:t>Multi-Core Processor</a:t>
+            </a:r>
+            <a:endParaRPr lang="en-US" b="1" dirty="0">
+              <a:solidFill>
+                <a:schemeClr val="accent1">
+                  <a:lumMod val="50000"/>
+                </a:schemeClr>
+              </a:solidFill>
+            </a:endParaRPr>
           </a:p>
         </p:txBody>
       </p:sp>
       <p:pic>
         <p:nvPicPr>
-          <p:cNvPr id="5" name="Picture 4" descr="Image result for risc vs cisc in tabular form"/>
-          <p:cNvPicPr/>
+          <p:cNvPr id="5" name="Picture 4"/>
+          <p:cNvPicPr>
+            <a:picLocks noChangeAspect="1"/>
+          </p:cNvPicPr>
           <p:nvPr/>
         </p:nvPicPr>
         <p:blipFill>
-          <a:blip r:embed="rId2"/>
-          <a:srcRect/>
+          <a:blip r:embed="rId2">
+            <a:extLst>
+              <a:ext uri="{28A0092B-C50C-407E-A947-70E740481C1C}">
+                <a14:useLocalDpi xmlns:a14="http://schemas.microsoft.com/office/drawing/2010/main" val="0"/>
+              </a:ext>
+            </a:extLst>
+          </a:blip>
           <a:stretch>
             <a:fillRect/>
           </a:stretch>
         </p:blipFill>
-        <p:spPr bwMode="auto">
-          <a:xfrm>
-            <a:off x="838200" y="1380218"/>
-            <a:ext cx="10515600" cy="4498068"/>
+        <p:spPr>
+          <a:xfrm>
+            <a:off x="6345445" y="1488559"/>
+            <a:ext cx="5760318" cy="4316818"/>
           </a:xfrm>
           <a:prstGeom prst="rect">
             <a:avLst/>
           </a:prstGeom>
-          <a:noFill/>
-          <a:ln w="9525">
-            <a:noFill/>
-            <a:miter lim="800000"/>
-            <a:headEnd/>
-            <a:tailEnd/>
-          </a:ln>
         </p:spPr>
       </p:pic>
     </p:spTree>
     <p:extLst>
       <p:ext uri="{BB962C8B-B14F-4D97-AF65-F5344CB8AC3E}">
-        <p14:creationId xmlns:p14="http://schemas.microsoft.com/office/powerpoint/2010/main" val="1023247523"/>
+        <p14:creationId xmlns:p14="http://schemas.microsoft.com/office/powerpoint/2010/main" val="3552924908"/>
       </p:ext>
     </p:extLst>
   </p:cSld>
   <p:clrMapOvr>
     <a:masterClrMapping/>
   </p:clrMapOvr>
-  <p:timing>
-    <p:tnLst>
-      <p:par>
-        <p:cTn id="1" dur="indefinite" restart="never" nodeType="tmRoot"/>
-      </p:par>
-    </p:tnLst>
-  </p:timing>
 </p:sld>
 </file>
 
@@ -7054,16 +7092,6 @@
               <a:t>VLSI</a:t>
             </a:r>
           </a:p>
-          <a:p>
-            <a:pPr lvl="1">
-              <a:defRPr/>
-            </a:pPr>
-            <a:r>
-              <a:rPr lang="en-SG" dirty="0" smtClean="0"/>
-              <a:t>SLSI</a:t>
-            </a:r>
-            <a:endParaRPr lang="en-US" dirty="0" smtClean="0"/>
-          </a:p>
         </p:txBody>
       </p:sp>
     </p:spTree>
@@ -7145,7 +7173,7 @@
                   </a:schemeClr>
                 </a:solidFill>
               </a:rPr>
-              <a:t>Some Definitions</a:t>
+              <a:t>Microprocessor - Classification</a:t>
             </a:r>
             <a:endParaRPr lang="en-US" b="1" dirty="0">
               <a:solidFill>
@@ -7157,105 +7185,40 @@
           </a:p>
         </p:txBody>
       </p:sp>
-      <p:sp>
-        <p:nvSpPr>
-          <p:cNvPr id="3" name="Content Placeholder 2"/>
-          <p:cNvSpPr>
-            <a:spLocks noGrp="1"/>
-          </p:cNvSpPr>
-          <p:nvPr>
-            <p:ph idx="1"/>
-          </p:nvPr>
-        </p:nvSpPr>
-        <p:spPr>
-          <a:xfrm>
-            <a:off x="838200" y="1476104"/>
-            <a:ext cx="10515600" cy="5184185"/>
-          </a:xfrm>
-        </p:spPr>
-        <p:txBody>
-          <a:bodyPr>
-            <a:normAutofit/>
-          </a:bodyPr>
-          <a:lstStyle/>
-          <a:p>
-            <a:pPr>
-              <a:defRPr/>
-            </a:pPr>
-            <a:r>
-              <a:rPr lang="en-SG" sz="3200" dirty="0" smtClean="0"/>
-              <a:t>Bit</a:t>
-            </a:r>
-          </a:p>
-          <a:p>
-            <a:pPr>
-              <a:defRPr/>
-            </a:pPr>
-            <a:r>
-              <a:rPr lang="en-SG" sz="3200" dirty="0" smtClean="0"/>
-              <a:t> Machine Language</a:t>
-            </a:r>
-          </a:p>
-          <a:p>
-            <a:pPr>
-              <a:defRPr/>
-            </a:pPr>
-            <a:r>
-              <a:rPr lang="en-SG" sz="3200" dirty="0" err="1" smtClean="0"/>
-              <a:t>Mnenomics</a:t>
-            </a:r>
-            <a:endParaRPr lang="en-SG" sz="3200" dirty="0" smtClean="0"/>
-          </a:p>
-          <a:p>
-            <a:pPr>
-              <a:defRPr/>
-            </a:pPr>
-            <a:r>
-              <a:rPr lang="en-SG" sz="3200" dirty="0" smtClean="0"/>
-              <a:t>Assembly Language</a:t>
-            </a:r>
-          </a:p>
-          <a:p>
-            <a:r>
-              <a:rPr lang="en-SG" sz="3200" dirty="0" smtClean="0"/>
-              <a:t>Byte</a:t>
-            </a:r>
-            <a:endParaRPr lang="en-SG" sz="3200" dirty="0"/>
-          </a:p>
-          <a:p>
-            <a:r>
-              <a:rPr lang="en-SG" sz="3200" dirty="0" smtClean="0"/>
-              <a:t>Word</a:t>
-            </a:r>
-          </a:p>
-          <a:p>
-            <a:pPr>
-              <a:defRPr/>
-            </a:pPr>
-            <a:r>
-              <a:rPr lang="en-SG" sz="3200" dirty="0" smtClean="0"/>
-              <a:t>Nibble</a:t>
-            </a:r>
-          </a:p>
-          <a:p>
-            <a:r>
-              <a:rPr lang="en-SG" sz="3200" dirty="0" smtClean="0"/>
-              <a:t>Instruction</a:t>
-            </a:r>
-          </a:p>
-          <a:p>
-            <a:r>
-              <a:rPr lang="en-SG" sz="3200" dirty="0" smtClean="0"/>
-              <a:t>Program</a:t>
-            </a:r>
-            <a:endParaRPr lang="en-US" sz="3200" dirty="0" smtClean="0"/>
-          </a:p>
-        </p:txBody>
-      </p:sp>
+      <p:pic>
+        <p:nvPicPr>
+          <p:cNvPr id="6" name="Picture 5" descr="Classification of Microprocessor"/>
+          <p:cNvPicPr/>
+          <p:nvPr/>
+        </p:nvPicPr>
+        <p:blipFill>
+          <a:blip r:embed="rId2"/>
+          <a:srcRect/>
+          <a:stretch>
+            <a:fillRect/>
+          </a:stretch>
+        </p:blipFill>
+        <p:spPr bwMode="auto">
+          <a:xfrm>
+            <a:off x="1927451" y="1770743"/>
+            <a:ext cx="7666491" cy="4542971"/>
+          </a:xfrm>
+          <a:prstGeom prst="rect">
+            <a:avLst/>
+          </a:prstGeom>
+          <a:noFill/>
+          <a:ln w="9525">
+            <a:noFill/>
+            <a:miter lim="800000"/>
+            <a:headEnd/>
+            <a:tailEnd/>
+          </a:ln>
+        </p:spPr>
+      </p:pic>
     </p:spTree>
     <p:extLst>
       <p:ext uri="{BB962C8B-B14F-4D97-AF65-F5344CB8AC3E}">
-        <p14:creationId xmlns:p14="http://schemas.microsoft.com/office/powerpoint/2010/main" val="3000792217"/>
+        <p14:creationId xmlns:p14="http://schemas.microsoft.com/office/powerpoint/2010/main" val="3071533733"/>
       </p:ext>
     </p:extLst>
   </p:cSld>
@@ -7331,7 +7294,7 @@
                   </a:schemeClr>
                 </a:solidFill>
               </a:rPr>
-              <a:t>Microprocessor - Classification</a:t>
+              <a:t>RISC and CISC</a:t>
             </a:r>
             <a:endParaRPr lang="en-US" b="1" dirty="0">
               <a:solidFill>
@@ -7345,38 +7308,47 @@
       </p:sp>
       <p:pic>
         <p:nvPicPr>
-          <p:cNvPr id="6" name="Picture 5" descr="Classification of Microprocessor"/>
-          <p:cNvPicPr/>
+          <p:cNvPr id="1026" name="Picture 2" descr="RISC-and-CISC"/>
+          <p:cNvPicPr>
+            <a:picLocks noChangeAspect="1" noChangeArrowheads="1"/>
+          </p:cNvPicPr>
           <p:nvPr/>
         </p:nvPicPr>
-        <p:blipFill>
-          <a:blip r:embed="rId2"/>
-          <a:srcRect/>
-          <a:stretch>
-            <a:fillRect/>
-          </a:stretch>
+        <p:blipFill rotWithShape="1">
+          <a:blip r:embed="rId2">
+            <a:extLst>
+              <a:ext uri="{28A0092B-C50C-407E-A947-70E740481C1C}">
+                <a14:useLocalDpi xmlns:a14="http://schemas.microsoft.com/office/drawing/2010/main" val="0"/>
+              </a:ext>
+            </a:extLst>
+          </a:blip>
+          <a:srcRect b="8666"/>
+          <a:stretch/>
         </p:blipFill>
         <p:spPr bwMode="auto">
           <a:xfrm>
-            <a:off x="1927451" y="1770743"/>
-            <a:ext cx="7666491" cy="4542971"/>
+            <a:off x="1073426" y="1103243"/>
+            <a:ext cx="9501809" cy="5227983"/>
           </a:xfrm>
           <a:prstGeom prst="rect">
             <a:avLst/>
           </a:prstGeom>
           <a:noFill/>
-          <a:ln w="9525">
-            <a:noFill/>
-            <a:miter lim="800000"/>
-            <a:headEnd/>
-            <a:tailEnd/>
-          </a:ln>
+          <a:extLst>
+            <a:ext uri="{909E8E84-426E-40DD-AFC4-6F175D3DCCD1}">
+              <a14:hiddenFill xmlns:a14="http://schemas.microsoft.com/office/drawing/2010/main">
+                <a:solidFill>
+                  <a:srgbClr val="FFFFFF"/>
+                </a:solidFill>
+              </a14:hiddenFill>
+            </a:ext>
+          </a:extLst>
         </p:spPr>
       </p:pic>
     </p:spTree>
     <p:extLst>
       <p:ext uri="{BB962C8B-B14F-4D97-AF65-F5344CB8AC3E}">
-        <p14:creationId xmlns:p14="http://schemas.microsoft.com/office/powerpoint/2010/main" val="3071533733"/>
+        <p14:creationId xmlns:p14="http://schemas.microsoft.com/office/powerpoint/2010/main" val="1742784582"/>
       </p:ext>
     </p:extLst>
   </p:cSld>
